--- a/Documents/EndPresentation.pptx
+++ b/Documents/EndPresentation.pptx
@@ -365,7 +365,7 @@
             <a:fld id="{E1CA15AE-E040-4F31-96C6-FD066D034FFB}" type="datetime1">
               <a:rPr lang="en-GB" smtClean="0"/>
               <a:pPr/>
-              <a:t>20/12/2023</a:t>
+              <a:t>22/12/2023</a:t>
             </a:fld>
             <a:endParaRPr lang="en-GB" dirty="0"/>
           </a:p>
@@ -911,7 +911,7 @@
               <a:rPr lang="en-GB" noProof="0" smtClean="0">
                 <a:latin typeface="+mn-lt"/>
               </a:rPr>
-              <a:t>20 December, 2023</a:t>
+              <a:t>22 December, 2023</a:t>
             </a:fld>
             <a:endParaRPr lang="en-GB" noProof="0">
               <a:latin typeface="+mn-lt"/>
@@ -1264,7 +1264,7 @@
               <a:rPr lang="en-GB" noProof="0" smtClean="0">
                 <a:latin typeface="+mn-lt"/>
               </a:rPr>
-              <a:t>20 December, 2023</a:t>
+              <a:t>22 December, 2023</a:t>
             </a:fld>
             <a:endParaRPr lang="en-GB" noProof="0">
               <a:latin typeface="+mn-lt"/>
@@ -1680,7 +1680,7 @@
               <a:rPr lang="en-GB" noProof="0" smtClean="0">
                 <a:latin typeface="+mn-lt"/>
               </a:rPr>
-              <a:t>20 December, 2023</a:t>
+              <a:t>22 December, 2023</a:t>
             </a:fld>
             <a:endParaRPr lang="en-GB" noProof="0">
               <a:latin typeface="+mn-lt"/>
@@ -2031,7 +2031,7 @@
               <a:rPr lang="en-GB" noProof="0" smtClean="0">
                 <a:latin typeface="+mn-lt"/>
               </a:rPr>
-              <a:t>20 December, 2023</a:t>
+              <a:t>22 December, 2023</a:t>
             </a:fld>
             <a:endParaRPr lang="en-GB" noProof="0">
               <a:latin typeface="+mn-lt"/>
@@ -2366,7 +2366,7 @@
               <a:rPr lang="en-GB" noProof="0" smtClean="0">
                 <a:latin typeface="+mn-lt"/>
               </a:rPr>
-              <a:t>20 December, 2023</a:t>
+              <a:t>22 December, 2023</a:t>
             </a:fld>
             <a:endParaRPr lang="en-GB" noProof="0">
               <a:latin typeface="+mn-lt"/>
@@ -2777,7 +2777,7 @@
               <a:rPr lang="en-GB" noProof="0" smtClean="0">
                 <a:latin typeface="+mn-lt"/>
               </a:rPr>
-              <a:t>20 December, 2023</a:t>
+              <a:t>22 December, 2023</a:t>
             </a:fld>
             <a:endParaRPr lang="en-GB" noProof="0">
               <a:latin typeface="+mn-lt"/>
@@ -3049,7 +3049,7 @@
               <a:rPr lang="en-GB" noProof="0" smtClean="0">
                 <a:latin typeface="+mn-lt"/>
               </a:rPr>
-              <a:t>20 December, 2023</a:t>
+              <a:t>22 December, 2023</a:t>
             </a:fld>
             <a:endParaRPr lang="en-GB" noProof="0">
               <a:latin typeface="+mn-lt"/>
@@ -3326,7 +3326,7 @@
               <a:rPr lang="en-GB" noProof="0" smtClean="0">
                 <a:latin typeface="+mn-lt"/>
               </a:rPr>
-              <a:t>20 December, 2023</a:t>
+              <a:t>22 December, 2023</a:t>
             </a:fld>
             <a:endParaRPr lang="en-GB" noProof="0">
               <a:latin typeface="+mn-lt"/>
@@ -5528,7 +5528,7 @@
               <a:rPr lang="en-GB" noProof="0" smtClean="0">
                 <a:latin typeface="+mn-lt"/>
               </a:rPr>
-              <a:t>20 December, 2023</a:t>
+              <a:t>22 December, 2023</a:t>
             </a:fld>
             <a:endParaRPr lang="en-GB" noProof="0" dirty="0">
               <a:latin typeface="+mn-lt"/>
@@ -6170,7 +6170,7 @@
               <a:rPr lang="en-GB" noProof="0" smtClean="0">
                 <a:latin typeface="+mn-lt"/>
               </a:rPr>
-              <a:t>20 December, 2023</a:t>
+              <a:t>22 December, 2023</a:t>
             </a:fld>
             <a:endParaRPr lang="en-GB" noProof="0" dirty="0">
               <a:latin typeface="+mn-lt"/>
@@ -6405,7 +6405,7 @@
               <a:rPr lang="en-GB" noProof="0" smtClean="0">
                 <a:latin typeface="+mn-lt"/>
               </a:rPr>
-              <a:t>20 December, 2023</a:t>
+              <a:t>22 December, 2023</a:t>
             </a:fld>
             <a:endParaRPr lang="en-GB" noProof="0">
               <a:latin typeface="+mn-lt"/>
@@ -7226,7 +7226,7 @@
               <a:rPr lang="en-GB" noProof="0" smtClean="0">
                 <a:latin typeface="+mn-lt"/>
               </a:rPr>
-              <a:t>20 December, 2023</a:t>
+              <a:t>22 December, 2023</a:t>
             </a:fld>
             <a:endParaRPr lang="en-GB" noProof="0">
               <a:latin typeface="+mn-lt"/>
@@ -7496,7 +7496,7 @@
               <a:rPr lang="en-GB" noProof="0" smtClean="0">
                 <a:latin typeface="+mn-lt"/>
               </a:rPr>
-              <a:t>20 December, 2023</a:t>
+              <a:t>22 December, 2023</a:t>
             </a:fld>
             <a:endParaRPr lang="en-GB" noProof="0">
               <a:latin typeface="+mn-lt"/>
@@ -10446,7 +10446,7 @@
               <a:rPr lang="en-GB" noProof="0" smtClean="0">
                 <a:latin typeface="+mn-lt"/>
               </a:rPr>
-              <a:t>20 December, 2023</a:t>
+              <a:t>22 December, 2023</a:t>
             </a:fld>
             <a:endParaRPr lang="en-GB" noProof="0" dirty="0">
               <a:latin typeface="+mn-lt"/>
@@ -11624,7 +11624,7 @@
               <a:rPr lang="en-GB" noProof="0" smtClean="0">
                 <a:latin typeface="+mn-lt"/>
               </a:rPr>
-              <a:t>20 December, 2023</a:t>
+              <a:t>22 December, 2023</a:t>
             </a:fld>
             <a:endParaRPr lang="en-GB" noProof="0">
               <a:latin typeface="+mn-lt"/>
@@ -12570,7 +12570,7 @@
               <a:rPr lang="en-GB" noProof="0" smtClean="0">
                 <a:latin typeface="+mn-lt"/>
               </a:rPr>
-              <a:t>20 December, 2023</a:t>
+              <a:t>22 December, 2023</a:t>
             </a:fld>
             <a:endParaRPr lang="en-GB" noProof="0" dirty="0">
               <a:latin typeface="+mn-lt"/>
@@ -13706,7 +13706,7 @@
               <a:rPr lang="en-GB" noProof="0" smtClean="0">
                 <a:latin typeface="+mn-lt"/>
               </a:rPr>
-              <a:t>20 December, 2023</a:t>
+              <a:t>22 December, 2023</a:t>
             </a:fld>
             <a:endParaRPr lang="en-GB" noProof="0" dirty="0">
               <a:latin typeface="+mn-lt"/>
@@ -14841,7 +14841,7 @@
               <a:rPr lang="en-GB" noProof="0" smtClean="0">
                 <a:latin typeface="+mn-lt"/>
               </a:rPr>
-              <a:t>20 December, 2023</a:t>
+              <a:t>22 December, 2023</a:t>
             </a:fld>
             <a:endParaRPr lang="en-GB" noProof="0" dirty="0">
               <a:latin typeface="+mn-lt"/>
@@ -15815,7 +15815,7 @@
               <a:rPr lang="en-GB" noProof="0" smtClean="0">
                 <a:latin typeface="+mn-lt"/>
               </a:rPr>
-              <a:t>20 December, 2023</a:t>
+              <a:t>22 December, 2023</a:t>
             </a:fld>
             <a:endParaRPr lang="en-GB" noProof="0">
               <a:latin typeface="+mn-lt"/>
@@ -16153,7 +16153,7 @@
               <a:rPr lang="en-GB" noProof="0" smtClean="0">
                 <a:latin typeface="+mn-lt"/>
               </a:rPr>
-              <a:t>20 December, 2023</a:t>
+              <a:t>22 December, 2023</a:t>
             </a:fld>
             <a:endParaRPr lang="en-GB" noProof="0">
               <a:latin typeface="+mn-lt"/>
@@ -16625,7 +16625,7 @@
               <a:rPr lang="en-GB" noProof="0" smtClean="0">
                 <a:latin typeface="+mn-lt"/>
               </a:rPr>
-              <a:t>20 December, 2023</a:t>
+              <a:t>22 December, 2023</a:t>
             </a:fld>
             <a:endParaRPr lang="en-GB" noProof="0">
               <a:latin typeface="+mn-lt"/>
@@ -16845,7 +16845,7 @@
               <a:rPr lang="en-GB" noProof="0" smtClean="0">
                 <a:latin typeface="+mn-lt"/>
               </a:rPr>
-              <a:t>20 December, 2023</a:t>
+              <a:t>22 December, 2023</a:t>
             </a:fld>
             <a:endParaRPr lang="en-GB" noProof="0">
               <a:latin typeface="+mn-lt"/>
@@ -17037,7 +17037,7 @@
               <a:rPr lang="en-GB" noProof="0" smtClean="0">
                 <a:latin typeface="+mn-lt"/>
               </a:rPr>
-              <a:t>20 December, 2023</a:t>
+              <a:t>22 December, 2023</a:t>
             </a:fld>
             <a:endParaRPr lang="en-GB" noProof="0">
               <a:latin typeface="+mn-lt"/>
@@ -17385,7 +17385,7 @@
               <a:rPr lang="en-GB" noProof="0" smtClean="0">
                 <a:latin typeface="+mn-lt"/>
               </a:rPr>
-              <a:t>20 December, 2023</a:t>
+              <a:t>22 December, 2023</a:t>
             </a:fld>
             <a:endParaRPr lang="en-GB" noProof="0">
               <a:latin typeface="+mn-lt"/>
@@ -17745,7 +17745,7 @@
               <a:rPr lang="en-GB" noProof="0" smtClean="0">
                 <a:latin typeface="+mn-lt"/>
               </a:rPr>
-              <a:t>20 December, 2023</a:t>
+              <a:t>22 December, 2023</a:t>
             </a:fld>
             <a:endParaRPr lang="en-GB" noProof="0">
               <a:latin typeface="+mn-lt"/>
@@ -19877,7 +19877,7 @@
               <a:rPr lang="en-GB" noProof="0" smtClean="0">
                 <a:latin typeface="+mn-lt"/>
               </a:rPr>
-              <a:t>20 December, 2023</a:t>
+              <a:t>22 December, 2023</a:t>
             </a:fld>
             <a:endParaRPr lang="en-GB" noProof="0">
               <a:latin typeface="+mn-lt"/>
@@ -21549,8 +21549,13 @@
           <a:p>
             <a:r>
               <a:rPr lang="nl-NL" dirty="0"/>
-              <a:t>De Move4vitality appa verifiëren</a:t>
+              <a:t>De </a:t>
             </a:r>
+            <a:r>
+              <a:rPr lang="nl-NL"/>
+              <a:t>Move4vitality app verifiëren</a:t>
+            </a:r>
+            <a:endParaRPr lang="nl-NL" dirty="0"/>
           </a:p>
           <a:p>
             <a:r>
@@ -22521,15 +22526,6 @@
 </file>
 
 <file path=customXml/item2.xml><?xml version="1.0" encoding="utf-8"?>
-<p:properties xmlns:p="http://schemas.microsoft.com/office/2006/metadata/properties" xmlns:xsi="http://www.w3.org/2001/XMLSchema-instance" xmlns:pc="http://schemas.microsoft.com/office/infopath/2007/PartnerControls">
-  <documentManagement>
-    <Status xmlns="71af3243-3dd4-4a8d-8c0d-dd76da1f02a5">Not started</Status>
-    <MediaServiceKeyPoints xmlns="71af3243-3dd4-4a8d-8c0d-dd76da1f02a5" xsi:nil="true"/>
-  </documentManagement>
-</p:properties>
-</file>
-
-<file path=customXml/item3.xml><?xml version="1.0" encoding="utf-8"?>
 <ct:contentTypeSchema xmlns:ct="http://schemas.microsoft.com/office/2006/metadata/contentType" xmlns:ma="http://schemas.microsoft.com/office/2006/metadata/properties/metaAttributes" ct:_="" ma:_="" ma:contentTypeName="Document" ma:contentTypeID="0x01010079F111ED35F8CC479449609E8A0923A6" ma:contentTypeVersion="12" ma:contentTypeDescription="Create a new document." ma:contentTypeScope="" ma:versionID="426e97fa315356fffbdcd9876fe988c2">
   <xsd:schema xmlns:xsd="http://www.w3.org/2001/XMLSchema" xmlns:xs="http://www.w3.org/2001/XMLSchema" xmlns:p="http://schemas.microsoft.com/office/2006/metadata/properties" xmlns:ns2="71af3243-3dd4-4a8d-8c0d-dd76da1f02a5" xmlns:ns3="16c05727-aa75-4e4a-9b5f-8a80a1165891" targetNamespace="http://schemas.microsoft.com/office/2006/metadata/properties" ma:root="true" ma:fieldsID="14b8f0def80e6d70ce3def20c90759ae" ns2:_="" ns3:_="">
     <xsd:import namespace="71af3243-3dd4-4a8d-8c0d-dd76da1f02a5"/>
@@ -22750,6 +22746,15 @@
 </ct:contentTypeSchema>
 </file>
 
+<file path=customXml/item3.xml><?xml version="1.0" encoding="utf-8"?>
+<p:properties xmlns:p="http://schemas.microsoft.com/office/2006/metadata/properties" xmlns:xsi="http://www.w3.org/2001/XMLSchema-instance" xmlns:pc="http://schemas.microsoft.com/office/infopath/2007/PartnerControls">
+  <documentManagement>
+    <Status xmlns="71af3243-3dd4-4a8d-8c0d-dd76da1f02a5">Not started</Status>
+    <MediaServiceKeyPoints xmlns="71af3243-3dd4-4a8d-8c0d-dd76da1f02a5" xsi:nil="true"/>
+  </documentManagement>
+</p:properties>
+</file>
+
 <file path=customXml/itemProps1.xml><?xml version="1.0" encoding="utf-8"?>
 <ds:datastoreItem xmlns:ds="http://schemas.openxmlformats.org/officeDocument/2006/customXml" ds:itemID="{1D20B6E4-879E-4E6C-BDE7-261540CD3765}">
   <ds:schemaRefs>
@@ -22759,16 +22764,6 @@
 </file>
 
 <file path=customXml/itemProps2.xml><?xml version="1.0" encoding="utf-8"?>
-<ds:datastoreItem xmlns:ds="http://schemas.openxmlformats.org/officeDocument/2006/customXml" ds:itemID="{09EC1AB0-9704-404D-B6D3-819D938AC55B}">
-  <ds:schemaRefs>
-    <ds:schemaRef ds:uri="http://schemas.microsoft.com/office/2006/metadata/properties"/>
-    <ds:schemaRef ds:uri="http://schemas.microsoft.com/office/infopath/2007/PartnerControls"/>
-    <ds:schemaRef ds:uri="71af3243-3dd4-4a8d-8c0d-dd76da1f02a5"/>
-  </ds:schemaRefs>
-</ds:datastoreItem>
-</file>
-
-<file path=customXml/itemProps3.xml><?xml version="1.0" encoding="utf-8"?>
 <ds:datastoreItem xmlns:ds="http://schemas.openxmlformats.org/officeDocument/2006/customXml" ds:itemID="{94F21D10-BD83-491A-AAA6-945C2DB1EB01}">
   <ds:schemaRefs>
     <ds:schemaRef ds:uri="http://schemas.microsoft.com/office/2006/metadata/contentType"/>
@@ -22785,4 +22780,14 @@
     <ds:schemaRef ds:uri="http://schemas.microsoft.com/internal/obd"/>
   </ds:schemaRefs>
 </ds:datastoreItem>
+</file>
+
+<file path=customXml/itemProps3.xml><?xml version="1.0" encoding="utf-8"?>
+<ds:datastoreItem xmlns:ds="http://schemas.openxmlformats.org/officeDocument/2006/customXml" ds:itemID="{09EC1AB0-9704-404D-B6D3-819D938AC55B}">
+  <ds:schemaRefs>
+    <ds:schemaRef ds:uri="http://schemas.microsoft.com/office/2006/metadata/properties"/>
+    <ds:schemaRef ds:uri="http://schemas.microsoft.com/office/infopath/2007/PartnerControls"/>
+    <ds:schemaRef ds:uri="71af3243-3dd4-4a8d-8c0d-dd76da1f02a5"/>
+  </ds:schemaRefs>
+</ds:datastoreItem>
 </file>
--- a/Documents/EndPresentation.pptx
+++ b/Documents/EndPresentation.pptx
@@ -365,7 +365,7 @@
             <a:fld id="{E1CA15AE-E040-4F31-96C6-FD066D034FFB}" type="datetime1">
               <a:rPr lang="en-GB" smtClean="0"/>
               <a:pPr/>
-              <a:t>22/12/2023</a:t>
+              <a:t>07/01/2024</a:t>
             </a:fld>
             <a:endParaRPr lang="en-GB" dirty="0"/>
           </a:p>
@@ -911,7 +911,7 @@
               <a:rPr lang="en-GB" noProof="0" smtClean="0">
                 <a:latin typeface="+mn-lt"/>
               </a:rPr>
-              <a:t>22 December, 2023</a:t>
+              <a:t>7 January, 2024</a:t>
             </a:fld>
             <a:endParaRPr lang="en-GB" noProof="0">
               <a:latin typeface="+mn-lt"/>
@@ -1264,7 +1264,7 @@
               <a:rPr lang="en-GB" noProof="0" smtClean="0">
                 <a:latin typeface="+mn-lt"/>
               </a:rPr>
-              <a:t>22 December, 2023</a:t>
+              <a:t>7 January, 2024</a:t>
             </a:fld>
             <a:endParaRPr lang="en-GB" noProof="0">
               <a:latin typeface="+mn-lt"/>
@@ -1680,7 +1680,7 @@
               <a:rPr lang="en-GB" noProof="0" smtClean="0">
                 <a:latin typeface="+mn-lt"/>
               </a:rPr>
-              <a:t>22 December, 2023</a:t>
+              <a:t>7 January, 2024</a:t>
             </a:fld>
             <a:endParaRPr lang="en-GB" noProof="0">
               <a:latin typeface="+mn-lt"/>
@@ -2031,7 +2031,7 @@
               <a:rPr lang="en-GB" noProof="0" smtClean="0">
                 <a:latin typeface="+mn-lt"/>
               </a:rPr>
-              <a:t>22 December, 2023</a:t>
+              <a:t>7 January, 2024</a:t>
             </a:fld>
             <a:endParaRPr lang="en-GB" noProof="0">
               <a:latin typeface="+mn-lt"/>
@@ -2366,7 +2366,7 @@
               <a:rPr lang="en-GB" noProof="0" smtClean="0">
                 <a:latin typeface="+mn-lt"/>
               </a:rPr>
-              <a:t>22 December, 2023</a:t>
+              <a:t>7 January, 2024</a:t>
             </a:fld>
             <a:endParaRPr lang="en-GB" noProof="0">
               <a:latin typeface="+mn-lt"/>
@@ -2777,7 +2777,7 @@
               <a:rPr lang="en-GB" noProof="0" smtClean="0">
                 <a:latin typeface="+mn-lt"/>
               </a:rPr>
-              <a:t>22 December, 2023</a:t>
+              <a:t>7 January, 2024</a:t>
             </a:fld>
             <a:endParaRPr lang="en-GB" noProof="0">
               <a:latin typeface="+mn-lt"/>
@@ -3049,7 +3049,7 @@
               <a:rPr lang="en-GB" noProof="0" smtClean="0">
                 <a:latin typeface="+mn-lt"/>
               </a:rPr>
-              <a:t>22 December, 2023</a:t>
+              <a:t>7 January, 2024</a:t>
             </a:fld>
             <a:endParaRPr lang="en-GB" noProof="0">
               <a:latin typeface="+mn-lt"/>
@@ -3326,7 +3326,7 @@
               <a:rPr lang="en-GB" noProof="0" smtClean="0">
                 <a:latin typeface="+mn-lt"/>
               </a:rPr>
-              <a:t>22 December, 2023</a:t>
+              <a:t>7 January, 2024</a:t>
             </a:fld>
             <a:endParaRPr lang="en-GB" noProof="0">
               <a:latin typeface="+mn-lt"/>
@@ -5528,7 +5528,7 @@
               <a:rPr lang="en-GB" noProof="0" smtClean="0">
                 <a:latin typeface="+mn-lt"/>
               </a:rPr>
-              <a:t>22 December, 2023</a:t>
+              <a:t>7 January, 2024</a:t>
             </a:fld>
             <a:endParaRPr lang="en-GB" noProof="0" dirty="0">
               <a:latin typeface="+mn-lt"/>
@@ -6170,7 +6170,7 @@
               <a:rPr lang="en-GB" noProof="0" smtClean="0">
                 <a:latin typeface="+mn-lt"/>
               </a:rPr>
-              <a:t>22 December, 2023</a:t>
+              <a:t>7 January, 2024</a:t>
             </a:fld>
             <a:endParaRPr lang="en-GB" noProof="0" dirty="0">
               <a:latin typeface="+mn-lt"/>
@@ -6405,7 +6405,7 @@
               <a:rPr lang="en-GB" noProof="0" smtClean="0">
                 <a:latin typeface="+mn-lt"/>
               </a:rPr>
-              <a:t>22 December, 2023</a:t>
+              <a:t>7 January, 2024</a:t>
             </a:fld>
             <a:endParaRPr lang="en-GB" noProof="0">
               <a:latin typeface="+mn-lt"/>
@@ -7226,7 +7226,7 @@
               <a:rPr lang="en-GB" noProof="0" smtClean="0">
                 <a:latin typeface="+mn-lt"/>
               </a:rPr>
-              <a:t>22 December, 2023</a:t>
+              <a:t>7 January, 2024</a:t>
             </a:fld>
             <a:endParaRPr lang="en-GB" noProof="0">
               <a:latin typeface="+mn-lt"/>
@@ -7496,7 +7496,7 @@
               <a:rPr lang="en-GB" noProof="0" smtClean="0">
                 <a:latin typeface="+mn-lt"/>
               </a:rPr>
-              <a:t>22 December, 2023</a:t>
+              <a:t>7 January, 2024</a:t>
             </a:fld>
             <a:endParaRPr lang="en-GB" noProof="0">
               <a:latin typeface="+mn-lt"/>
@@ -10446,7 +10446,7 @@
               <a:rPr lang="en-GB" noProof="0" smtClean="0">
                 <a:latin typeface="+mn-lt"/>
               </a:rPr>
-              <a:t>22 December, 2023</a:t>
+              <a:t>7 January, 2024</a:t>
             </a:fld>
             <a:endParaRPr lang="en-GB" noProof="0" dirty="0">
               <a:latin typeface="+mn-lt"/>
@@ -11624,7 +11624,7 @@
               <a:rPr lang="en-GB" noProof="0" smtClean="0">
                 <a:latin typeface="+mn-lt"/>
               </a:rPr>
-              <a:t>22 December, 2023</a:t>
+              <a:t>7 January, 2024</a:t>
             </a:fld>
             <a:endParaRPr lang="en-GB" noProof="0">
               <a:latin typeface="+mn-lt"/>
@@ -12570,7 +12570,7 @@
               <a:rPr lang="en-GB" noProof="0" smtClean="0">
                 <a:latin typeface="+mn-lt"/>
               </a:rPr>
-              <a:t>22 December, 2023</a:t>
+              <a:t>7 January, 2024</a:t>
             </a:fld>
             <a:endParaRPr lang="en-GB" noProof="0" dirty="0">
               <a:latin typeface="+mn-lt"/>
@@ -13706,7 +13706,7 @@
               <a:rPr lang="en-GB" noProof="0" smtClean="0">
                 <a:latin typeface="+mn-lt"/>
               </a:rPr>
-              <a:t>22 December, 2023</a:t>
+              <a:t>7 January, 2024</a:t>
             </a:fld>
             <a:endParaRPr lang="en-GB" noProof="0" dirty="0">
               <a:latin typeface="+mn-lt"/>
@@ -14841,7 +14841,7 @@
               <a:rPr lang="en-GB" noProof="0" smtClean="0">
                 <a:latin typeface="+mn-lt"/>
               </a:rPr>
-              <a:t>22 December, 2023</a:t>
+              <a:t>7 January, 2024</a:t>
             </a:fld>
             <a:endParaRPr lang="en-GB" noProof="0" dirty="0">
               <a:latin typeface="+mn-lt"/>
@@ -15815,7 +15815,7 @@
               <a:rPr lang="en-GB" noProof="0" smtClean="0">
                 <a:latin typeface="+mn-lt"/>
               </a:rPr>
-              <a:t>22 December, 2023</a:t>
+              <a:t>7 January, 2024</a:t>
             </a:fld>
             <a:endParaRPr lang="en-GB" noProof="0">
               <a:latin typeface="+mn-lt"/>
@@ -16153,7 +16153,7 @@
               <a:rPr lang="en-GB" noProof="0" smtClean="0">
                 <a:latin typeface="+mn-lt"/>
               </a:rPr>
-              <a:t>22 December, 2023</a:t>
+              <a:t>7 January, 2024</a:t>
             </a:fld>
             <a:endParaRPr lang="en-GB" noProof="0">
               <a:latin typeface="+mn-lt"/>
@@ -16625,7 +16625,7 @@
               <a:rPr lang="en-GB" noProof="0" smtClean="0">
                 <a:latin typeface="+mn-lt"/>
               </a:rPr>
-              <a:t>22 December, 2023</a:t>
+              <a:t>7 January, 2024</a:t>
             </a:fld>
             <a:endParaRPr lang="en-GB" noProof="0">
               <a:latin typeface="+mn-lt"/>
@@ -16845,7 +16845,7 @@
               <a:rPr lang="en-GB" noProof="0" smtClean="0">
                 <a:latin typeface="+mn-lt"/>
               </a:rPr>
-              <a:t>22 December, 2023</a:t>
+              <a:t>7 January, 2024</a:t>
             </a:fld>
             <a:endParaRPr lang="en-GB" noProof="0">
               <a:latin typeface="+mn-lt"/>
@@ -17037,7 +17037,7 @@
               <a:rPr lang="en-GB" noProof="0" smtClean="0">
                 <a:latin typeface="+mn-lt"/>
               </a:rPr>
-              <a:t>22 December, 2023</a:t>
+              <a:t>7 January, 2024</a:t>
             </a:fld>
             <a:endParaRPr lang="en-GB" noProof="0">
               <a:latin typeface="+mn-lt"/>
@@ -17385,7 +17385,7 @@
               <a:rPr lang="en-GB" noProof="0" smtClean="0">
                 <a:latin typeface="+mn-lt"/>
               </a:rPr>
-              <a:t>22 December, 2023</a:t>
+              <a:t>7 January, 2024</a:t>
             </a:fld>
             <a:endParaRPr lang="en-GB" noProof="0">
               <a:latin typeface="+mn-lt"/>
@@ -17745,7 +17745,7 @@
               <a:rPr lang="en-GB" noProof="0" smtClean="0">
                 <a:latin typeface="+mn-lt"/>
               </a:rPr>
-              <a:t>22 December, 2023</a:t>
+              <a:t>7 January, 2024</a:t>
             </a:fld>
             <a:endParaRPr lang="en-GB" noProof="0">
               <a:latin typeface="+mn-lt"/>
@@ -19877,7 +19877,7 @@
               <a:rPr lang="en-GB" noProof="0" smtClean="0">
                 <a:latin typeface="+mn-lt"/>
               </a:rPr>
-              <a:t>22 December, 2023</a:t>
+              <a:t>7 January, 2024</a:t>
             </a:fld>
             <a:endParaRPr lang="en-GB" noProof="0">
               <a:latin typeface="+mn-lt"/>
@@ -20681,7 +20681,7 @@
         </p:blipFill>
         <p:spPr>
           <a:xfrm>
-            <a:off x="1818159" y="1375753"/>
+            <a:off x="1818159" y="1363397"/>
             <a:ext cx="9085277" cy="5133182"/>
           </a:xfrm>
           <a:prstGeom prst="rect">
@@ -22526,6 +22526,15 @@
 </file>
 
 <file path=customXml/item2.xml><?xml version="1.0" encoding="utf-8"?>
+<p:properties xmlns:p="http://schemas.microsoft.com/office/2006/metadata/properties" xmlns:xsi="http://www.w3.org/2001/XMLSchema-instance" xmlns:pc="http://schemas.microsoft.com/office/infopath/2007/PartnerControls">
+  <documentManagement>
+    <Status xmlns="71af3243-3dd4-4a8d-8c0d-dd76da1f02a5">Not started</Status>
+    <MediaServiceKeyPoints xmlns="71af3243-3dd4-4a8d-8c0d-dd76da1f02a5" xsi:nil="true"/>
+  </documentManagement>
+</p:properties>
+</file>
+
+<file path=customXml/item3.xml><?xml version="1.0" encoding="utf-8"?>
 <ct:contentTypeSchema xmlns:ct="http://schemas.microsoft.com/office/2006/metadata/contentType" xmlns:ma="http://schemas.microsoft.com/office/2006/metadata/properties/metaAttributes" ct:_="" ma:_="" ma:contentTypeName="Document" ma:contentTypeID="0x01010079F111ED35F8CC479449609E8A0923A6" ma:contentTypeVersion="12" ma:contentTypeDescription="Create a new document." ma:contentTypeScope="" ma:versionID="426e97fa315356fffbdcd9876fe988c2">
   <xsd:schema xmlns:xsd="http://www.w3.org/2001/XMLSchema" xmlns:xs="http://www.w3.org/2001/XMLSchema" xmlns:p="http://schemas.microsoft.com/office/2006/metadata/properties" xmlns:ns2="71af3243-3dd4-4a8d-8c0d-dd76da1f02a5" xmlns:ns3="16c05727-aa75-4e4a-9b5f-8a80a1165891" targetNamespace="http://schemas.microsoft.com/office/2006/metadata/properties" ma:root="true" ma:fieldsID="14b8f0def80e6d70ce3def20c90759ae" ns2:_="" ns3:_="">
     <xsd:import namespace="71af3243-3dd4-4a8d-8c0d-dd76da1f02a5"/>
@@ -22746,15 +22755,6 @@
 </ct:contentTypeSchema>
 </file>
 
-<file path=customXml/item3.xml><?xml version="1.0" encoding="utf-8"?>
-<p:properties xmlns:p="http://schemas.microsoft.com/office/2006/metadata/properties" xmlns:xsi="http://www.w3.org/2001/XMLSchema-instance" xmlns:pc="http://schemas.microsoft.com/office/infopath/2007/PartnerControls">
-  <documentManagement>
-    <Status xmlns="71af3243-3dd4-4a8d-8c0d-dd76da1f02a5">Not started</Status>
-    <MediaServiceKeyPoints xmlns="71af3243-3dd4-4a8d-8c0d-dd76da1f02a5" xsi:nil="true"/>
-  </documentManagement>
-</p:properties>
-</file>
-
 <file path=customXml/itemProps1.xml><?xml version="1.0" encoding="utf-8"?>
 <ds:datastoreItem xmlns:ds="http://schemas.openxmlformats.org/officeDocument/2006/customXml" ds:itemID="{1D20B6E4-879E-4E6C-BDE7-261540CD3765}">
   <ds:schemaRefs>
@@ -22764,6 +22764,16 @@
 </file>
 
 <file path=customXml/itemProps2.xml><?xml version="1.0" encoding="utf-8"?>
+<ds:datastoreItem xmlns:ds="http://schemas.openxmlformats.org/officeDocument/2006/customXml" ds:itemID="{09EC1AB0-9704-404D-B6D3-819D938AC55B}">
+  <ds:schemaRefs>
+    <ds:schemaRef ds:uri="http://schemas.microsoft.com/office/2006/metadata/properties"/>
+    <ds:schemaRef ds:uri="http://schemas.microsoft.com/office/infopath/2007/PartnerControls"/>
+    <ds:schemaRef ds:uri="71af3243-3dd4-4a8d-8c0d-dd76da1f02a5"/>
+  </ds:schemaRefs>
+</ds:datastoreItem>
+</file>
+
+<file path=customXml/itemProps3.xml><?xml version="1.0" encoding="utf-8"?>
 <ds:datastoreItem xmlns:ds="http://schemas.openxmlformats.org/officeDocument/2006/customXml" ds:itemID="{94F21D10-BD83-491A-AAA6-945C2DB1EB01}">
   <ds:schemaRefs>
     <ds:schemaRef ds:uri="http://schemas.microsoft.com/office/2006/metadata/contentType"/>
@@ -22780,14 +22790,4 @@
     <ds:schemaRef ds:uri="http://schemas.microsoft.com/internal/obd"/>
   </ds:schemaRefs>
 </ds:datastoreItem>
-</file>
-
-<file path=customXml/itemProps3.xml><?xml version="1.0" encoding="utf-8"?>
-<ds:datastoreItem xmlns:ds="http://schemas.openxmlformats.org/officeDocument/2006/customXml" ds:itemID="{09EC1AB0-9704-404D-B6D3-819D938AC55B}">
-  <ds:schemaRefs>
-    <ds:schemaRef ds:uri="http://schemas.microsoft.com/office/2006/metadata/properties"/>
-    <ds:schemaRef ds:uri="http://schemas.microsoft.com/office/infopath/2007/PartnerControls"/>
-    <ds:schemaRef ds:uri="71af3243-3dd4-4a8d-8c0d-dd76da1f02a5"/>
-  </ds:schemaRefs>
-</ds:datastoreItem>
 </file>
--- a/Documents/EndPresentation.pptx
+++ b/Documents/EndPresentation.pptx
@@ -21543,19 +21543,19 @@
           <a:p>
             <a:r>
               <a:rPr lang="nl-NL" dirty="0"/>
-              <a:t>Project goed overdragen</a:t>
-            </a:r>
-          </a:p>
-          <a:p>
-            <a:r>
-              <a:rPr lang="nl-NL" dirty="0"/>
-              <a:t>De </a:t>
+              <a:t>Project </a:t>
             </a:r>
             <a:r>
               <a:rPr lang="nl-NL"/>
-              <a:t>Move4vitality app verifiëren</a:t>
+              <a:t>goed overdragen</a:t>
             </a:r>
             <a:endParaRPr lang="nl-NL" dirty="0"/>
+          </a:p>
+          <a:p>
+            <a:r>
+              <a:rPr lang="nl-NL" dirty="0"/>
+              <a:t>De Move4vitality app verifiëren</a:t>
+            </a:r>
           </a:p>
           <a:p>
             <a:r>
@@ -22526,15 +22526,6 @@
 </file>
 
 <file path=customXml/item2.xml><?xml version="1.0" encoding="utf-8"?>
-<p:properties xmlns:p="http://schemas.microsoft.com/office/2006/metadata/properties" xmlns:xsi="http://www.w3.org/2001/XMLSchema-instance" xmlns:pc="http://schemas.microsoft.com/office/infopath/2007/PartnerControls">
-  <documentManagement>
-    <Status xmlns="71af3243-3dd4-4a8d-8c0d-dd76da1f02a5">Not started</Status>
-    <MediaServiceKeyPoints xmlns="71af3243-3dd4-4a8d-8c0d-dd76da1f02a5" xsi:nil="true"/>
-  </documentManagement>
-</p:properties>
-</file>
-
-<file path=customXml/item3.xml><?xml version="1.0" encoding="utf-8"?>
 <ct:contentTypeSchema xmlns:ct="http://schemas.microsoft.com/office/2006/metadata/contentType" xmlns:ma="http://schemas.microsoft.com/office/2006/metadata/properties/metaAttributes" ct:_="" ma:_="" ma:contentTypeName="Document" ma:contentTypeID="0x01010079F111ED35F8CC479449609E8A0923A6" ma:contentTypeVersion="12" ma:contentTypeDescription="Create a new document." ma:contentTypeScope="" ma:versionID="426e97fa315356fffbdcd9876fe988c2">
   <xsd:schema xmlns:xsd="http://www.w3.org/2001/XMLSchema" xmlns:xs="http://www.w3.org/2001/XMLSchema" xmlns:p="http://schemas.microsoft.com/office/2006/metadata/properties" xmlns:ns2="71af3243-3dd4-4a8d-8c0d-dd76da1f02a5" xmlns:ns3="16c05727-aa75-4e4a-9b5f-8a80a1165891" targetNamespace="http://schemas.microsoft.com/office/2006/metadata/properties" ma:root="true" ma:fieldsID="14b8f0def80e6d70ce3def20c90759ae" ns2:_="" ns3:_="">
     <xsd:import namespace="71af3243-3dd4-4a8d-8c0d-dd76da1f02a5"/>
@@ -22755,6 +22746,15 @@
 </ct:contentTypeSchema>
 </file>
 
+<file path=customXml/item3.xml><?xml version="1.0" encoding="utf-8"?>
+<p:properties xmlns:p="http://schemas.microsoft.com/office/2006/metadata/properties" xmlns:xsi="http://www.w3.org/2001/XMLSchema-instance" xmlns:pc="http://schemas.microsoft.com/office/infopath/2007/PartnerControls">
+  <documentManagement>
+    <Status xmlns="71af3243-3dd4-4a8d-8c0d-dd76da1f02a5">Not started</Status>
+    <MediaServiceKeyPoints xmlns="71af3243-3dd4-4a8d-8c0d-dd76da1f02a5" xsi:nil="true"/>
+  </documentManagement>
+</p:properties>
+</file>
+
 <file path=customXml/itemProps1.xml><?xml version="1.0" encoding="utf-8"?>
 <ds:datastoreItem xmlns:ds="http://schemas.openxmlformats.org/officeDocument/2006/customXml" ds:itemID="{1D20B6E4-879E-4E6C-BDE7-261540CD3765}">
   <ds:schemaRefs>
@@ -22764,16 +22764,6 @@
 </file>
 
 <file path=customXml/itemProps2.xml><?xml version="1.0" encoding="utf-8"?>
-<ds:datastoreItem xmlns:ds="http://schemas.openxmlformats.org/officeDocument/2006/customXml" ds:itemID="{09EC1AB0-9704-404D-B6D3-819D938AC55B}">
-  <ds:schemaRefs>
-    <ds:schemaRef ds:uri="http://schemas.microsoft.com/office/2006/metadata/properties"/>
-    <ds:schemaRef ds:uri="http://schemas.microsoft.com/office/infopath/2007/PartnerControls"/>
-    <ds:schemaRef ds:uri="71af3243-3dd4-4a8d-8c0d-dd76da1f02a5"/>
-  </ds:schemaRefs>
-</ds:datastoreItem>
-</file>
-
-<file path=customXml/itemProps3.xml><?xml version="1.0" encoding="utf-8"?>
 <ds:datastoreItem xmlns:ds="http://schemas.openxmlformats.org/officeDocument/2006/customXml" ds:itemID="{94F21D10-BD83-491A-AAA6-945C2DB1EB01}">
   <ds:schemaRefs>
     <ds:schemaRef ds:uri="http://schemas.microsoft.com/office/2006/metadata/contentType"/>
@@ -22790,4 +22780,14 @@
     <ds:schemaRef ds:uri="http://schemas.microsoft.com/internal/obd"/>
   </ds:schemaRefs>
 </ds:datastoreItem>
+</file>
+
+<file path=customXml/itemProps3.xml><?xml version="1.0" encoding="utf-8"?>
+<ds:datastoreItem xmlns:ds="http://schemas.openxmlformats.org/officeDocument/2006/customXml" ds:itemID="{09EC1AB0-9704-404D-B6D3-819D938AC55B}">
+  <ds:schemaRefs>
+    <ds:schemaRef ds:uri="http://schemas.microsoft.com/office/2006/metadata/properties"/>
+    <ds:schemaRef ds:uri="http://schemas.microsoft.com/office/infopath/2007/PartnerControls"/>
+    <ds:schemaRef ds:uri="71af3243-3dd4-4a8d-8c0d-dd76da1f02a5"/>
+  </ds:schemaRefs>
+</ds:datastoreItem>
 </file>
--- a/Documents/EndPresentation.pptx
+++ b/Documents/EndPresentation.pptx
@@ -5,16 +5,19 @@
     <p:sldMasterId id="2147483707" r:id="rId4"/>
   </p:sldMasterIdLst>
   <p:notesMasterIdLst>
-    <p:notesMasterId r:id="rId9"/>
+    <p:notesMasterId r:id="rId12"/>
   </p:notesMasterIdLst>
   <p:handoutMasterIdLst>
-    <p:handoutMasterId r:id="rId10"/>
+    <p:handoutMasterId r:id="rId13"/>
   </p:handoutMasterIdLst>
   <p:sldIdLst>
     <p:sldId id="350" r:id="rId5"/>
-    <p:sldId id="352" r:id="rId6"/>
-    <p:sldId id="353" r:id="rId7"/>
-    <p:sldId id="354" r:id="rId8"/>
+    <p:sldId id="355" r:id="rId6"/>
+    <p:sldId id="356" r:id="rId7"/>
+    <p:sldId id="357" r:id="rId8"/>
+    <p:sldId id="358" r:id="rId9"/>
+    <p:sldId id="352" r:id="rId10"/>
+    <p:sldId id="354" r:id="rId11"/>
   </p:sldIdLst>
   <p:sldSz cx="12192000" cy="6858000"/>
   <p:notesSz cx="6858000" cy="9144000"/>
@@ -365,7 +368,7 @@
             <a:fld id="{E1CA15AE-E040-4F31-96C6-FD066D034FFB}" type="datetime1">
               <a:rPr lang="en-GB" smtClean="0"/>
               <a:pPr/>
-              <a:t>07/01/2024</a:t>
+              <a:t>15/01/2024</a:t>
             </a:fld>
             <a:endParaRPr lang="en-GB" dirty="0"/>
           </a:p>
@@ -911,7 +914,7 @@
               <a:rPr lang="en-GB" noProof="0" smtClean="0">
                 <a:latin typeface="+mn-lt"/>
               </a:rPr>
-              <a:t>7 January, 2024</a:t>
+              <a:t>15 January, 2024</a:t>
             </a:fld>
             <a:endParaRPr lang="en-GB" noProof="0">
               <a:latin typeface="+mn-lt"/>
@@ -1264,7 +1267,7 @@
               <a:rPr lang="en-GB" noProof="0" smtClean="0">
                 <a:latin typeface="+mn-lt"/>
               </a:rPr>
-              <a:t>7 January, 2024</a:t>
+              <a:t>15 January, 2024</a:t>
             </a:fld>
             <a:endParaRPr lang="en-GB" noProof="0">
               <a:latin typeface="+mn-lt"/>
@@ -1680,7 +1683,7 @@
               <a:rPr lang="en-GB" noProof="0" smtClean="0">
                 <a:latin typeface="+mn-lt"/>
               </a:rPr>
-              <a:t>7 January, 2024</a:t>
+              <a:t>15 January, 2024</a:t>
             </a:fld>
             <a:endParaRPr lang="en-GB" noProof="0">
               <a:latin typeface="+mn-lt"/>
@@ -2031,7 +2034,7 @@
               <a:rPr lang="en-GB" noProof="0" smtClean="0">
                 <a:latin typeface="+mn-lt"/>
               </a:rPr>
-              <a:t>7 January, 2024</a:t>
+              <a:t>15 January, 2024</a:t>
             </a:fld>
             <a:endParaRPr lang="en-GB" noProof="0">
               <a:latin typeface="+mn-lt"/>
@@ -2366,7 +2369,7 @@
               <a:rPr lang="en-GB" noProof="0" smtClean="0">
                 <a:latin typeface="+mn-lt"/>
               </a:rPr>
-              <a:t>7 January, 2024</a:t>
+              <a:t>15 January, 2024</a:t>
             </a:fld>
             <a:endParaRPr lang="en-GB" noProof="0">
               <a:latin typeface="+mn-lt"/>
@@ -2777,7 +2780,7 @@
               <a:rPr lang="en-GB" noProof="0" smtClean="0">
                 <a:latin typeface="+mn-lt"/>
               </a:rPr>
-              <a:t>7 January, 2024</a:t>
+              <a:t>15 January, 2024</a:t>
             </a:fld>
             <a:endParaRPr lang="en-GB" noProof="0">
               <a:latin typeface="+mn-lt"/>
@@ -3049,7 +3052,7 @@
               <a:rPr lang="en-GB" noProof="0" smtClean="0">
                 <a:latin typeface="+mn-lt"/>
               </a:rPr>
-              <a:t>7 January, 2024</a:t>
+              <a:t>15 January, 2024</a:t>
             </a:fld>
             <a:endParaRPr lang="en-GB" noProof="0">
               <a:latin typeface="+mn-lt"/>
@@ -3326,7 +3329,7 @@
               <a:rPr lang="en-GB" noProof="0" smtClean="0">
                 <a:latin typeface="+mn-lt"/>
               </a:rPr>
-              <a:t>7 January, 2024</a:t>
+              <a:t>15 January, 2024</a:t>
             </a:fld>
             <a:endParaRPr lang="en-GB" noProof="0">
               <a:latin typeface="+mn-lt"/>
@@ -5528,7 +5531,7 @@
               <a:rPr lang="en-GB" noProof="0" smtClean="0">
                 <a:latin typeface="+mn-lt"/>
               </a:rPr>
-              <a:t>7 January, 2024</a:t>
+              <a:t>15 January, 2024</a:t>
             </a:fld>
             <a:endParaRPr lang="en-GB" noProof="0" dirty="0">
               <a:latin typeface="+mn-lt"/>
@@ -6170,7 +6173,7 @@
               <a:rPr lang="en-GB" noProof="0" smtClean="0">
                 <a:latin typeface="+mn-lt"/>
               </a:rPr>
-              <a:t>7 January, 2024</a:t>
+              <a:t>15 January, 2024</a:t>
             </a:fld>
             <a:endParaRPr lang="en-GB" noProof="0" dirty="0">
               <a:latin typeface="+mn-lt"/>
@@ -6405,7 +6408,7 @@
               <a:rPr lang="en-GB" noProof="0" smtClean="0">
                 <a:latin typeface="+mn-lt"/>
               </a:rPr>
-              <a:t>7 January, 2024</a:t>
+              <a:t>15 January, 2024</a:t>
             </a:fld>
             <a:endParaRPr lang="en-GB" noProof="0">
               <a:latin typeface="+mn-lt"/>
@@ -7226,7 +7229,7 @@
               <a:rPr lang="en-GB" noProof="0" smtClean="0">
                 <a:latin typeface="+mn-lt"/>
               </a:rPr>
-              <a:t>7 January, 2024</a:t>
+              <a:t>15 January, 2024</a:t>
             </a:fld>
             <a:endParaRPr lang="en-GB" noProof="0">
               <a:latin typeface="+mn-lt"/>
@@ -7496,7 +7499,7 @@
               <a:rPr lang="en-GB" noProof="0" smtClean="0">
                 <a:latin typeface="+mn-lt"/>
               </a:rPr>
-              <a:t>7 January, 2024</a:t>
+              <a:t>15 January, 2024</a:t>
             </a:fld>
             <a:endParaRPr lang="en-GB" noProof="0">
               <a:latin typeface="+mn-lt"/>
@@ -10446,7 +10449,7 @@
               <a:rPr lang="en-GB" noProof="0" smtClean="0">
                 <a:latin typeface="+mn-lt"/>
               </a:rPr>
-              <a:t>7 January, 2024</a:t>
+              <a:t>15 January, 2024</a:t>
             </a:fld>
             <a:endParaRPr lang="en-GB" noProof="0" dirty="0">
               <a:latin typeface="+mn-lt"/>
@@ -11624,7 +11627,7 @@
               <a:rPr lang="en-GB" noProof="0" smtClean="0">
                 <a:latin typeface="+mn-lt"/>
               </a:rPr>
-              <a:t>7 January, 2024</a:t>
+              <a:t>15 January, 2024</a:t>
             </a:fld>
             <a:endParaRPr lang="en-GB" noProof="0">
               <a:latin typeface="+mn-lt"/>
@@ -12570,7 +12573,7 @@
               <a:rPr lang="en-GB" noProof="0" smtClean="0">
                 <a:latin typeface="+mn-lt"/>
               </a:rPr>
-              <a:t>7 January, 2024</a:t>
+              <a:t>15 January, 2024</a:t>
             </a:fld>
             <a:endParaRPr lang="en-GB" noProof="0" dirty="0">
               <a:latin typeface="+mn-lt"/>
@@ -13706,7 +13709,7 @@
               <a:rPr lang="en-GB" noProof="0" smtClean="0">
                 <a:latin typeface="+mn-lt"/>
               </a:rPr>
-              <a:t>7 January, 2024</a:t>
+              <a:t>15 January, 2024</a:t>
             </a:fld>
             <a:endParaRPr lang="en-GB" noProof="0" dirty="0">
               <a:latin typeface="+mn-lt"/>
@@ -14841,7 +14844,7 @@
               <a:rPr lang="en-GB" noProof="0" smtClean="0">
                 <a:latin typeface="+mn-lt"/>
               </a:rPr>
-              <a:t>7 January, 2024</a:t>
+              <a:t>15 January, 2024</a:t>
             </a:fld>
             <a:endParaRPr lang="en-GB" noProof="0" dirty="0">
               <a:latin typeface="+mn-lt"/>
@@ -15815,7 +15818,7 @@
               <a:rPr lang="en-GB" noProof="0" smtClean="0">
                 <a:latin typeface="+mn-lt"/>
               </a:rPr>
-              <a:t>7 January, 2024</a:t>
+              <a:t>15 January, 2024</a:t>
             </a:fld>
             <a:endParaRPr lang="en-GB" noProof="0">
               <a:latin typeface="+mn-lt"/>
@@ -16153,7 +16156,7 @@
               <a:rPr lang="en-GB" noProof="0" smtClean="0">
                 <a:latin typeface="+mn-lt"/>
               </a:rPr>
-              <a:t>7 January, 2024</a:t>
+              <a:t>15 January, 2024</a:t>
             </a:fld>
             <a:endParaRPr lang="en-GB" noProof="0">
               <a:latin typeface="+mn-lt"/>
@@ -16625,7 +16628,7 @@
               <a:rPr lang="en-GB" noProof="0" smtClean="0">
                 <a:latin typeface="+mn-lt"/>
               </a:rPr>
-              <a:t>7 January, 2024</a:t>
+              <a:t>15 January, 2024</a:t>
             </a:fld>
             <a:endParaRPr lang="en-GB" noProof="0">
               <a:latin typeface="+mn-lt"/>
@@ -16845,7 +16848,7 @@
               <a:rPr lang="en-GB" noProof="0" smtClean="0">
                 <a:latin typeface="+mn-lt"/>
               </a:rPr>
-              <a:t>7 January, 2024</a:t>
+              <a:t>15 January, 2024</a:t>
             </a:fld>
             <a:endParaRPr lang="en-GB" noProof="0">
               <a:latin typeface="+mn-lt"/>
@@ -17037,7 +17040,7 @@
               <a:rPr lang="en-GB" noProof="0" smtClean="0">
                 <a:latin typeface="+mn-lt"/>
               </a:rPr>
-              <a:t>7 January, 2024</a:t>
+              <a:t>15 January, 2024</a:t>
             </a:fld>
             <a:endParaRPr lang="en-GB" noProof="0">
               <a:latin typeface="+mn-lt"/>
@@ -17385,7 +17388,7 @@
               <a:rPr lang="en-GB" noProof="0" smtClean="0">
                 <a:latin typeface="+mn-lt"/>
               </a:rPr>
-              <a:t>7 January, 2024</a:t>
+              <a:t>15 January, 2024</a:t>
             </a:fld>
             <a:endParaRPr lang="en-GB" noProof="0">
               <a:latin typeface="+mn-lt"/>
@@ -17745,7 +17748,7 @@
               <a:rPr lang="en-GB" noProof="0" smtClean="0">
                 <a:latin typeface="+mn-lt"/>
               </a:rPr>
-              <a:t>7 January, 2024</a:t>
+              <a:t>15 January, 2024</a:t>
             </a:fld>
             <a:endParaRPr lang="en-GB" noProof="0">
               <a:latin typeface="+mn-lt"/>
@@ -19877,7 +19880,7 @@
               <a:rPr lang="en-GB" noProof="0" smtClean="0">
                 <a:latin typeface="+mn-lt"/>
               </a:rPr>
-              <a:t>7 January, 2024</a:t>
+              <a:t>15 January, 2024</a:t>
             </a:fld>
             <a:endParaRPr lang="en-GB" noProof="0">
               <a:latin typeface="+mn-lt"/>
@@ -20546,6 +20549,977 @@
           <p:cNvPr id="2" name="Title 1">
             <a:extLst>
               <a:ext uri="{FF2B5EF4-FFF2-40B4-BE49-F238E27FC236}">
+                <a16:creationId xmlns:a16="http://schemas.microsoft.com/office/drawing/2014/main" id="{DECDFABE-7CDC-6FE1-8E7A-BCD2FD452F68}"/>
+              </a:ext>
+            </a:extLst>
+          </p:cNvPr>
+          <p:cNvSpPr>
+            <a:spLocks noGrp="1"/>
+          </p:cNvSpPr>
+          <p:nvPr>
+            <p:ph type="title"/>
+          </p:nvPr>
+        </p:nvSpPr>
+        <p:spPr/>
+        <p:txBody>
+          <a:bodyPr/>
+          <a:lstStyle/>
+          <a:p>
+            <a:r>
+              <a:rPr lang="nl-NL" dirty="0"/>
+              <a:t>Inhoud</a:t>
+            </a:r>
+            <a:endParaRPr lang="en-GB" dirty="0"/>
+          </a:p>
+        </p:txBody>
+      </p:sp>
+      <p:sp>
+        <p:nvSpPr>
+          <p:cNvPr id="3" name="Content Placeholder 2">
+            <a:extLst>
+              <a:ext uri="{FF2B5EF4-FFF2-40B4-BE49-F238E27FC236}">
+                <a16:creationId xmlns:a16="http://schemas.microsoft.com/office/drawing/2014/main" id="{C8E29D97-14DB-092C-CB20-02FE7BB92237}"/>
+              </a:ext>
+            </a:extLst>
+          </p:cNvPr>
+          <p:cNvSpPr>
+            <a:spLocks noGrp="1"/>
+          </p:cNvSpPr>
+          <p:nvPr>
+            <p:ph idx="1"/>
+          </p:nvPr>
+        </p:nvSpPr>
+        <p:spPr/>
+        <p:txBody>
+          <a:bodyPr/>
+          <a:lstStyle/>
+          <a:p>
+            <a:r>
+              <a:rPr lang="nl-NL" dirty="0"/>
+              <a:t>Move4vitality platform</a:t>
+            </a:r>
+          </a:p>
+          <a:p>
+            <a:r>
+              <a:rPr lang="nl-NL" dirty="0"/>
+              <a:t>Probleem/Oplossing</a:t>
+            </a:r>
+          </a:p>
+          <a:p>
+            <a:r>
+              <a:rPr lang="nl-NL" dirty="0"/>
+              <a:t>Fouten die ik gemaakt heb</a:t>
+            </a:r>
+          </a:p>
+          <a:p>
+            <a:r>
+              <a:rPr lang="nl-NL" dirty="0"/>
+              <a:t>Eindproduct</a:t>
+            </a:r>
+          </a:p>
+          <a:p>
+            <a:r>
+              <a:rPr lang="nl-NL" dirty="0"/>
+              <a:t>Volgende stappen?</a:t>
+            </a:r>
+          </a:p>
+          <a:p>
+            <a:endParaRPr lang="nl-NL" dirty="0"/>
+          </a:p>
+        </p:txBody>
+      </p:sp>
+      <p:sp>
+        <p:nvSpPr>
+          <p:cNvPr id="4" name="Date Placeholder 3">
+            <a:extLst>
+              <a:ext uri="{FF2B5EF4-FFF2-40B4-BE49-F238E27FC236}">
+                <a16:creationId xmlns:a16="http://schemas.microsoft.com/office/drawing/2014/main" id="{1CD19187-4CE9-D3E4-E936-13DE78141302}"/>
+              </a:ext>
+            </a:extLst>
+          </p:cNvPr>
+          <p:cNvSpPr>
+            <a:spLocks noGrp="1"/>
+          </p:cNvSpPr>
+          <p:nvPr>
+            <p:ph type="dt" sz="half" idx="10"/>
+          </p:nvPr>
+        </p:nvSpPr>
+        <p:spPr/>
+        <p:txBody>
+          <a:bodyPr/>
+          <a:lstStyle/>
+          <a:p>
+            <a:pPr rtl="0"/>
+            <a:fld id="{8AC5E797-DDC7-4716-ABC9-2C172A510C23}" type="datetime3">
+              <a:rPr lang="en-GB" noProof="0" smtClean="0">
+                <a:latin typeface="+mn-lt"/>
+              </a:rPr>
+              <a:t>15 January, 2024</a:t>
+            </a:fld>
+            <a:endParaRPr lang="en-GB" noProof="0">
+              <a:latin typeface="+mn-lt"/>
+            </a:endParaRPr>
+          </a:p>
+        </p:txBody>
+      </p:sp>
+      <p:sp>
+        <p:nvSpPr>
+          <p:cNvPr id="5" name="Footer Placeholder 4">
+            <a:extLst>
+              <a:ext uri="{FF2B5EF4-FFF2-40B4-BE49-F238E27FC236}">
+                <a16:creationId xmlns:a16="http://schemas.microsoft.com/office/drawing/2014/main" id="{D57DAF50-72C1-79F5-5961-958232613AAD}"/>
+              </a:ext>
+            </a:extLst>
+          </p:cNvPr>
+          <p:cNvSpPr>
+            <a:spLocks noGrp="1"/>
+          </p:cNvSpPr>
+          <p:nvPr>
+            <p:ph type="ftr" sz="quarter" idx="11"/>
+          </p:nvPr>
+        </p:nvSpPr>
+        <p:spPr/>
+        <p:txBody>
+          <a:bodyPr/>
+          <a:lstStyle/>
+          <a:p>
+            <a:pPr rtl="0"/>
+            <a:r>
+              <a:rPr lang="en-GB" noProof="0"/>
+              <a:t>Annual Review</a:t>
+            </a:r>
+            <a:endParaRPr lang="en-GB" b="0" noProof="0"/>
+          </a:p>
+        </p:txBody>
+      </p:sp>
+      <p:sp>
+        <p:nvSpPr>
+          <p:cNvPr id="6" name="Slide Number Placeholder 5">
+            <a:extLst>
+              <a:ext uri="{FF2B5EF4-FFF2-40B4-BE49-F238E27FC236}">
+                <a16:creationId xmlns:a16="http://schemas.microsoft.com/office/drawing/2014/main" id="{FED9479E-E56D-3A9A-E256-4C9F266BEB94}"/>
+              </a:ext>
+            </a:extLst>
+          </p:cNvPr>
+          <p:cNvSpPr>
+            <a:spLocks noGrp="1"/>
+          </p:cNvSpPr>
+          <p:nvPr>
+            <p:ph type="sldNum" sz="quarter" idx="12"/>
+          </p:nvPr>
+        </p:nvSpPr>
+        <p:spPr/>
+        <p:txBody>
+          <a:bodyPr/>
+          <a:lstStyle/>
+          <a:p>
+            <a:pPr rtl="0"/>
+            <a:fld id="{294A09A9-5501-47C1-A89A-A340965A2BE2}" type="slidenum">
+              <a:rPr lang="en-GB" noProof="0" smtClean="0"/>
+              <a:pPr rtl="0"/>
+              <a:t>2</a:t>
+            </a:fld>
+            <a:endParaRPr lang="en-GB" noProof="0">
+              <a:latin typeface="+mn-lt"/>
+            </a:endParaRPr>
+          </a:p>
+        </p:txBody>
+      </p:sp>
+    </p:spTree>
+    <p:extLst>
+      <p:ext uri="{BB962C8B-B14F-4D97-AF65-F5344CB8AC3E}">
+        <p14:creationId xmlns:p14="http://schemas.microsoft.com/office/powerpoint/2010/main" val="2752768239"/>
+      </p:ext>
+    </p:extLst>
+  </p:cSld>
+  <p:clrMapOvr>
+    <a:masterClrMapping/>
+  </p:clrMapOvr>
+</p:sld>
+</file>
+
+<file path=ppt/slides/slide3.xml><?xml version="1.0" encoding="utf-8"?>
+<p:sld xmlns:a="http://schemas.openxmlformats.org/drawingml/2006/main" xmlns:r="http://schemas.openxmlformats.org/officeDocument/2006/relationships" xmlns:p="http://schemas.openxmlformats.org/presentationml/2006/main">
+  <p:cSld>
+    <p:spTree>
+      <p:nvGrpSpPr>
+        <p:cNvPr id="1" name=""/>
+        <p:cNvGrpSpPr/>
+        <p:nvPr/>
+      </p:nvGrpSpPr>
+      <p:grpSpPr>
+        <a:xfrm>
+          <a:off x="0" y="0"/>
+          <a:ext cx="0" cy="0"/>
+          <a:chOff x="0" y="0"/>
+          <a:chExt cx="0" cy="0"/>
+        </a:xfrm>
+      </p:grpSpPr>
+      <p:sp>
+        <p:nvSpPr>
+          <p:cNvPr id="2" name="Title 1">
+            <a:extLst>
+              <a:ext uri="{FF2B5EF4-FFF2-40B4-BE49-F238E27FC236}">
+                <a16:creationId xmlns:a16="http://schemas.microsoft.com/office/drawing/2014/main" id="{C0EB4CF2-F38B-EED4-1F23-3B707AFC278D}"/>
+              </a:ext>
+            </a:extLst>
+          </p:cNvPr>
+          <p:cNvSpPr>
+            <a:spLocks noGrp="1"/>
+          </p:cNvSpPr>
+          <p:nvPr>
+            <p:ph type="title"/>
+          </p:nvPr>
+        </p:nvSpPr>
+        <p:spPr/>
+        <p:txBody>
+          <a:bodyPr/>
+          <a:lstStyle/>
+          <a:p>
+            <a:r>
+              <a:rPr lang="nl-NL" dirty="0"/>
+              <a:t>Move4Vitality platform</a:t>
+            </a:r>
+            <a:endParaRPr lang="en-GB" dirty="0"/>
+          </a:p>
+        </p:txBody>
+      </p:sp>
+      <p:sp>
+        <p:nvSpPr>
+          <p:cNvPr id="3" name="Content Placeholder 2">
+            <a:extLst>
+              <a:ext uri="{FF2B5EF4-FFF2-40B4-BE49-F238E27FC236}">
+                <a16:creationId xmlns:a16="http://schemas.microsoft.com/office/drawing/2014/main" id="{A51B3224-A69D-86FE-3186-7C4AFE4C4E51}"/>
+              </a:ext>
+            </a:extLst>
+          </p:cNvPr>
+          <p:cNvSpPr>
+            <a:spLocks noGrp="1"/>
+          </p:cNvSpPr>
+          <p:nvPr>
+            <p:ph idx="1"/>
+          </p:nvPr>
+        </p:nvSpPr>
+        <p:spPr/>
+        <p:txBody>
+          <a:bodyPr/>
+          <a:lstStyle/>
+          <a:p>
+            <a:r>
+              <a:rPr lang="nl-NL" dirty="0"/>
+              <a:t>Fysiotherapeut/bewegingscoach</a:t>
+            </a:r>
+          </a:p>
+          <a:p>
+            <a:r>
+              <a:rPr lang="nl-NL" dirty="0"/>
+              <a:t>Deelnemer abonnement</a:t>
+            </a:r>
+          </a:p>
+          <a:p>
+            <a:r>
+              <a:rPr lang="nl-NL" dirty="0"/>
+              <a:t>Garmin activiteiten tracker</a:t>
+            </a:r>
+          </a:p>
+          <a:p>
+            <a:r>
+              <a:rPr lang="nl-NL" dirty="0"/>
+              <a:t>Oefeningen doorgestuurd </a:t>
+            </a:r>
+          </a:p>
+          <a:p>
+            <a:r>
+              <a:rPr lang="nl-NL" dirty="0"/>
+              <a:t>Pijnscore</a:t>
+            </a:r>
+          </a:p>
+        </p:txBody>
+      </p:sp>
+      <p:sp>
+        <p:nvSpPr>
+          <p:cNvPr id="4" name="Date Placeholder 3">
+            <a:extLst>
+              <a:ext uri="{FF2B5EF4-FFF2-40B4-BE49-F238E27FC236}">
+                <a16:creationId xmlns:a16="http://schemas.microsoft.com/office/drawing/2014/main" id="{0658CB97-9189-28BC-3204-F33DA645212F}"/>
+              </a:ext>
+            </a:extLst>
+          </p:cNvPr>
+          <p:cNvSpPr>
+            <a:spLocks noGrp="1"/>
+          </p:cNvSpPr>
+          <p:nvPr>
+            <p:ph type="dt" sz="half" idx="10"/>
+          </p:nvPr>
+        </p:nvSpPr>
+        <p:spPr/>
+        <p:txBody>
+          <a:bodyPr/>
+          <a:lstStyle/>
+          <a:p>
+            <a:pPr rtl="0"/>
+            <a:fld id="{8AC5E797-DDC7-4716-ABC9-2C172A510C23}" type="datetime3">
+              <a:rPr lang="en-GB" noProof="0" smtClean="0">
+                <a:latin typeface="+mn-lt"/>
+              </a:rPr>
+              <a:t>15 January, 2024</a:t>
+            </a:fld>
+            <a:endParaRPr lang="en-GB" noProof="0">
+              <a:latin typeface="+mn-lt"/>
+            </a:endParaRPr>
+          </a:p>
+        </p:txBody>
+      </p:sp>
+      <p:sp>
+        <p:nvSpPr>
+          <p:cNvPr id="5" name="Footer Placeholder 4">
+            <a:extLst>
+              <a:ext uri="{FF2B5EF4-FFF2-40B4-BE49-F238E27FC236}">
+                <a16:creationId xmlns:a16="http://schemas.microsoft.com/office/drawing/2014/main" id="{C658B709-B94E-C40C-94BE-C6F7FCE49C94}"/>
+              </a:ext>
+            </a:extLst>
+          </p:cNvPr>
+          <p:cNvSpPr>
+            <a:spLocks noGrp="1"/>
+          </p:cNvSpPr>
+          <p:nvPr>
+            <p:ph type="ftr" sz="quarter" idx="11"/>
+          </p:nvPr>
+        </p:nvSpPr>
+        <p:spPr/>
+        <p:txBody>
+          <a:bodyPr/>
+          <a:lstStyle/>
+          <a:p>
+            <a:pPr rtl="0"/>
+            <a:r>
+              <a:rPr lang="en-GB" noProof="0"/>
+              <a:t>Annual Review</a:t>
+            </a:r>
+            <a:endParaRPr lang="en-GB" b="0" noProof="0"/>
+          </a:p>
+        </p:txBody>
+      </p:sp>
+      <p:sp>
+        <p:nvSpPr>
+          <p:cNvPr id="6" name="Slide Number Placeholder 5">
+            <a:extLst>
+              <a:ext uri="{FF2B5EF4-FFF2-40B4-BE49-F238E27FC236}">
+                <a16:creationId xmlns:a16="http://schemas.microsoft.com/office/drawing/2014/main" id="{8A164C88-04BA-6C53-99CA-9549C2F791DF}"/>
+              </a:ext>
+            </a:extLst>
+          </p:cNvPr>
+          <p:cNvSpPr>
+            <a:spLocks noGrp="1"/>
+          </p:cNvSpPr>
+          <p:nvPr>
+            <p:ph type="sldNum" sz="quarter" idx="12"/>
+          </p:nvPr>
+        </p:nvSpPr>
+        <p:spPr/>
+        <p:txBody>
+          <a:bodyPr/>
+          <a:lstStyle/>
+          <a:p>
+            <a:pPr rtl="0"/>
+            <a:fld id="{294A09A9-5501-47C1-A89A-A340965A2BE2}" type="slidenum">
+              <a:rPr lang="en-GB" noProof="0" smtClean="0"/>
+              <a:pPr rtl="0"/>
+              <a:t>3</a:t>
+            </a:fld>
+            <a:endParaRPr lang="en-GB" noProof="0">
+              <a:latin typeface="+mn-lt"/>
+            </a:endParaRPr>
+          </a:p>
+        </p:txBody>
+      </p:sp>
+    </p:spTree>
+    <p:extLst>
+      <p:ext uri="{BB962C8B-B14F-4D97-AF65-F5344CB8AC3E}">
+        <p14:creationId xmlns:p14="http://schemas.microsoft.com/office/powerpoint/2010/main" val="3801332181"/>
+      </p:ext>
+    </p:extLst>
+  </p:cSld>
+  <p:clrMapOvr>
+    <a:masterClrMapping/>
+  </p:clrMapOvr>
+</p:sld>
+</file>
+
+<file path=ppt/slides/slide4.xml><?xml version="1.0" encoding="utf-8"?>
+<p:sld xmlns:a="http://schemas.openxmlformats.org/drawingml/2006/main" xmlns:r="http://schemas.openxmlformats.org/officeDocument/2006/relationships" xmlns:p="http://schemas.openxmlformats.org/presentationml/2006/main">
+  <p:cSld>
+    <p:spTree>
+      <p:nvGrpSpPr>
+        <p:cNvPr id="1" name=""/>
+        <p:cNvGrpSpPr/>
+        <p:nvPr/>
+      </p:nvGrpSpPr>
+      <p:grpSpPr>
+        <a:xfrm>
+          <a:off x="0" y="0"/>
+          <a:ext cx="0" cy="0"/>
+          <a:chOff x="0" y="0"/>
+          <a:chExt cx="0" cy="0"/>
+        </a:xfrm>
+      </p:grpSpPr>
+      <p:sp>
+        <p:nvSpPr>
+          <p:cNvPr id="2" name="Title 1">
+            <a:extLst>
+              <a:ext uri="{FF2B5EF4-FFF2-40B4-BE49-F238E27FC236}">
+                <a16:creationId xmlns:a16="http://schemas.microsoft.com/office/drawing/2014/main" id="{25B71ED0-5EDD-902D-1608-2A516865C744}"/>
+              </a:ext>
+            </a:extLst>
+          </p:cNvPr>
+          <p:cNvSpPr>
+            <a:spLocks noGrp="1"/>
+          </p:cNvSpPr>
+          <p:nvPr>
+            <p:ph type="title"/>
+          </p:nvPr>
+        </p:nvSpPr>
+        <p:spPr/>
+        <p:txBody>
+          <a:bodyPr/>
+          <a:lstStyle/>
+          <a:p>
+            <a:r>
+              <a:rPr lang="nl-NL" dirty="0"/>
+              <a:t>Probleem/Oplossing</a:t>
+            </a:r>
+            <a:br>
+              <a:rPr lang="nl-NL" dirty="0"/>
+            </a:br>
+            <a:endParaRPr lang="en-GB" dirty="0"/>
+          </a:p>
+        </p:txBody>
+      </p:sp>
+      <p:sp>
+        <p:nvSpPr>
+          <p:cNvPr id="3" name="Content Placeholder 2">
+            <a:extLst>
+              <a:ext uri="{FF2B5EF4-FFF2-40B4-BE49-F238E27FC236}">
+                <a16:creationId xmlns:a16="http://schemas.microsoft.com/office/drawing/2014/main" id="{9917C64B-88AD-4061-9571-EC844DEB4427}"/>
+              </a:ext>
+            </a:extLst>
+          </p:cNvPr>
+          <p:cNvSpPr>
+            <a:spLocks noGrp="1"/>
+          </p:cNvSpPr>
+          <p:nvPr>
+            <p:ph idx="1"/>
+          </p:nvPr>
+        </p:nvSpPr>
+        <p:spPr/>
+        <p:txBody>
+          <a:bodyPr/>
+          <a:lstStyle/>
+          <a:p>
+            <a:r>
+              <a:rPr lang="nl-NL" dirty="0"/>
+              <a:t>Move4vitality onafhankelijk</a:t>
+            </a:r>
+          </a:p>
+          <a:p>
+            <a:r>
+              <a:rPr lang="nl-NL" dirty="0"/>
+              <a:t>Meer mogelijkheden</a:t>
+            </a:r>
+          </a:p>
+          <a:p>
+            <a:r>
+              <a:rPr lang="nl-NL" dirty="0"/>
+              <a:t>Onderzoek naar integraties</a:t>
+            </a:r>
+          </a:p>
+          <a:p>
+            <a:r>
+              <a:rPr lang="nl-NL" dirty="0"/>
+              <a:t>Google Fit, Health Connect &amp; Apple Health</a:t>
+            </a:r>
+          </a:p>
+          <a:p>
+            <a:r>
+              <a:rPr lang="nl-NL" dirty="0"/>
+              <a:t>Wear OS, Fitbit OS &amp; Garmin</a:t>
+            </a:r>
+          </a:p>
+          <a:p>
+            <a:r>
+              <a:rPr lang="nl-NL" dirty="0"/>
+              <a:t>Android</a:t>
+            </a:r>
+          </a:p>
+          <a:p>
+            <a:endParaRPr lang="nl-NL" dirty="0"/>
+          </a:p>
+          <a:p>
+            <a:pPr marL="0" indent="0">
+              <a:buNone/>
+            </a:pPr>
+            <a:endParaRPr lang="nl-NL" dirty="0"/>
+          </a:p>
+          <a:p>
+            <a:endParaRPr lang="en-GB" dirty="0"/>
+          </a:p>
+        </p:txBody>
+      </p:sp>
+      <p:sp>
+        <p:nvSpPr>
+          <p:cNvPr id="4" name="Date Placeholder 3">
+            <a:extLst>
+              <a:ext uri="{FF2B5EF4-FFF2-40B4-BE49-F238E27FC236}">
+                <a16:creationId xmlns:a16="http://schemas.microsoft.com/office/drawing/2014/main" id="{AF3D1A98-0683-AACF-EEA1-60B1EB508AC2}"/>
+              </a:ext>
+            </a:extLst>
+          </p:cNvPr>
+          <p:cNvSpPr>
+            <a:spLocks noGrp="1"/>
+          </p:cNvSpPr>
+          <p:nvPr>
+            <p:ph type="dt" sz="half" idx="10"/>
+          </p:nvPr>
+        </p:nvSpPr>
+        <p:spPr/>
+        <p:txBody>
+          <a:bodyPr/>
+          <a:lstStyle/>
+          <a:p>
+            <a:pPr rtl="0"/>
+            <a:fld id="{8AC5E797-DDC7-4716-ABC9-2C172A510C23}" type="datetime3">
+              <a:rPr lang="en-GB" noProof="0" smtClean="0">
+                <a:latin typeface="+mn-lt"/>
+              </a:rPr>
+              <a:t>15 January, 2024</a:t>
+            </a:fld>
+            <a:endParaRPr lang="en-GB" noProof="0">
+              <a:latin typeface="+mn-lt"/>
+            </a:endParaRPr>
+          </a:p>
+        </p:txBody>
+      </p:sp>
+      <p:sp>
+        <p:nvSpPr>
+          <p:cNvPr id="5" name="Footer Placeholder 4">
+            <a:extLst>
+              <a:ext uri="{FF2B5EF4-FFF2-40B4-BE49-F238E27FC236}">
+                <a16:creationId xmlns:a16="http://schemas.microsoft.com/office/drawing/2014/main" id="{190DDFDC-0531-4420-7767-272AF424D61D}"/>
+              </a:ext>
+            </a:extLst>
+          </p:cNvPr>
+          <p:cNvSpPr>
+            <a:spLocks noGrp="1"/>
+          </p:cNvSpPr>
+          <p:nvPr>
+            <p:ph type="ftr" sz="quarter" idx="11"/>
+          </p:nvPr>
+        </p:nvSpPr>
+        <p:spPr/>
+        <p:txBody>
+          <a:bodyPr/>
+          <a:lstStyle/>
+          <a:p>
+            <a:pPr rtl="0"/>
+            <a:r>
+              <a:rPr lang="en-GB" noProof="0"/>
+              <a:t>Annual Review</a:t>
+            </a:r>
+            <a:endParaRPr lang="en-GB" b="0" noProof="0"/>
+          </a:p>
+        </p:txBody>
+      </p:sp>
+      <p:sp>
+        <p:nvSpPr>
+          <p:cNvPr id="6" name="Slide Number Placeholder 5">
+            <a:extLst>
+              <a:ext uri="{FF2B5EF4-FFF2-40B4-BE49-F238E27FC236}">
+                <a16:creationId xmlns:a16="http://schemas.microsoft.com/office/drawing/2014/main" id="{B78EFE5A-5086-36AF-F7BF-51EC13919931}"/>
+              </a:ext>
+            </a:extLst>
+          </p:cNvPr>
+          <p:cNvSpPr>
+            <a:spLocks noGrp="1"/>
+          </p:cNvSpPr>
+          <p:nvPr>
+            <p:ph type="sldNum" sz="quarter" idx="12"/>
+          </p:nvPr>
+        </p:nvSpPr>
+        <p:spPr/>
+        <p:txBody>
+          <a:bodyPr/>
+          <a:lstStyle/>
+          <a:p>
+            <a:pPr rtl="0"/>
+            <a:fld id="{294A09A9-5501-47C1-A89A-A340965A2BE2}" type="slidenum">
+              <a:rPr lang="en-GB" noProof="0" smtClean="0"/>
+              <a:pPr rtl="0"/>
+              <a:t>4</a:t>
+            </a:fld>
+            <a:endParaRPr lang="en-GB" noProof="0">
+              <a:latin typeface="+mn-lt"/>
+            </a:endParaRPr>
+          </a:p>
+        </p:txBody>
+      </p:sp>
+      <p:pic>
+        <p:nvPicPr>
+          <p:cNvPr id="7" name="Picture 6" descr="A green and white chart with black text&#10;&#10;Description automatically generated">
+            <a:extLst>
+              <a:ext uri="{FF2B5EF4-FFF2-40B4-BE49-F238E27FC236}">
+                <a16:creationId xmlns:a16="http://schemas.microsoft.com/office/drawing/2014/main" id="{5E1EFAC0-CA0E-59F4-6045-60C69D7D649B}"/>
+              </a:ext>
+            </a:extLst>
+          </p:cNvPr>
+          <p:cNvPicPr>
+            <a:picLocks noChangeAspect="1"/>
+          </p:cNvPicPr>
+          <p:nvPr/>
+        </p:nvPicPr>
+        <p:blipFill rotWithShape="1">
+          <a:blip r:embed="rId2">
+            <a:extLst>
+              <a:ext uri="{28A0092B-C50C-407E-A947-70E740481C1C}">
+                <a14:useLocalDpi xmlns:a14="http://schemas.microsoft.com/office/drawing/2010/main" val="0"/>
+              </a:ext>
+            </a:extLst>
+          </a:blip>
+          <a:srcRect/>
+          <a:stretch/>
+        </p:blipFill>
+        <p:spPr>
+          <a:xfrm>
+            <a:off x="6200340" y="3967118"/>
+            <a:ext cx="5451627" cy="1431052"/>
+          </a:xfrm>
+          <a:prstGeom prst="rect">
+            <a:avLst/>
+          </a:prstGeom>
+        </p:spPr>
+      </p:pic>
+    </p:spTree>
+    <p:extLst>
+      <p:ext uri="{BB962C8B-B14F-4D97-AF65-F5344CB8AC3E}">
+        <p14:creationId xmlns:p14="http://schemas.microsoft.com/office/powerpoint/2010/main" val="3958464976"/>
+      </p:ext>
+    </p:extLst>
+  </p:cSld>
+  <p:clrMapOvr>
+    <a:masterClrMapping/>
+  </p:clrMapOvr>
+</p:sld>
+</file>
+
+<file path=ppt/slides/slide5.xml><?xml version="1.0" encoding="utf-8"?>
+<p:sld xmlns:a="http://schemas.openxmlformats.org/drawingml/2006/main" xmlns:r="http://schemas.openxmlformats.org/officeDocument/2006/relationships" xmlns:p="http://schemas.openxmlformats.org/presentationml/2006/main">
+  <p:cSld>
+    <p:spTree>
+      <p:nvGrpSpPr>
+        <p:cNvPr id="1" name=""/>
+        <p:cNvGrpSpPr/>
+        <p:nvPr/>
+      </p:nvGrpSpPr>
+      <p:grpSpPr>
+        <a:xfrm>
+          <a:off x="0" y="0"/>
+          <a:ext cx="0" cy="0"/>
+          <a:chOff x="0" y="0"/>
+          <a:chExt cx="0" cy="0"/>
+        </a:xfrm>
+      </p:grpSpPr>
+      <p:sp>
+        <p:nvSpPr>
+          <p:cNvPr id="2" name="Title 1">
+            <a:extLst>
+              <a:ext uri="{FF2B5EF4-FFF2-40B4-BE49-F238E27FC236}">
+                <a16:creationId xmlns:a16="http://schemas.microsoft.com/office/drawing/2014/main" id="{C4F7B31A-E500-4186-43D7-73629543CBC8}"/>
+              </a:ext>
+            </a:extLst>
+          </p:cNvPr>
+          <p:cNvSpPr>
+            <a:spLocks noGrp="1"/>
+          </p:cNvSpPr>
+          <p:nvPr>
+            <p:ph type="title"/>
+          </p:nvPr>
+        </p:nvSpPr>
+        <p:spPr/>
+        <p:txBody>
+          <a:bodyPr/>
+          <a:lstStyle/>
+          <a:p>
+            <a:r>
+              <a:rPr lang="nl-NL" dirty="0"/>
+              <a:t>Fouten die ik gemaakt heb</a:t>
+            </a:r>
+            <a:endParaRPr lang="en-GB" dirty="0"/>
+          </a:p>
+        </p:txBody>
+      </p:sp>
+      <p:sp>
+        <p:nvSpPr>
+          <p:cNvPr id="3" name="Content Placeholder 2">
+            <a:extLst>
+              <a:ext uri="{FF2B5EF4-FFF2-40B4-BE49-F238E27FC236}">
+                <a16:creationId xmlns:a16="http://schemas.microsoft.com/office/drawing/2014/main" id="{200428D8-F331-2787-4E23-EDB805FE1415}"/>
+              </a:ext>
+            </a:extLst>
+          </p:cNvPr>
+          <p:cNvSpPr>
+            <a:spLocks noGrp="1"/>
+          </p:cNvSpPr>
+          <p:nvPr>
+            <p:ph idx="1"/>
+          </p:nvPr>
+        </p:nvSpPr>
+        <p:spPr>
+          <a:xfrm>
+            <a:off x="2591068" y="2171826"/>
+            <a:ext cx="8915400" cy="3777622"/>
+          </a:xfrm>
+        </p:spPr>
+        <p:txBody>
+          <a:bodyPr/>
+          <a:lstStyle/>
+          <a:p>
+            <a:r>
+              <a:rPr lang="nl-NL" dirty="0"/>
+              <a:t>Sprint1 Google Fit focus</a:t>
+            </a:r>
+          </a:p>
+          <a:p>
+            <a:r>
+              <a:rPr lang="nl-NL" dirty="0"/>
+              <a:t>Eerder integratie onderzoek</a:t>
+            </a:r>
+          </a:p>
+          <a:p>
+            <a:r>
+              <a:rPr lang="nl-NL" dirty="0"/>
+              <a:t>Sprint2 Poc in React i.p.v Native</a:t>
+            </a:r>
+          </a:p>
+          <a:p>
+            <a:r>
+              <a:rPr lang="nl-NL" dirty="0"/>
+              <a:t>Andere implementatie</a:t>
+            </a:r>
+          </a:p>
+          <a:p>
+            <a:r>
+              <a:rPr lang="nl-NL" dirty="0"/>
+              <a:t>Sprint4 Clean Architecture</a:t>
+            </a:r>
+          </a:p>
+          <a:p>
+            <a:r>
+              <a:rPr lang="nl-NL" dirty="0"/>
+              <a:t>Dependency inversion principle</a:t>
+            </a:r>
+          </a:p>
+          <a:p>
+            <a:r>
+              <a:rPr lang="nl-NL" dirty="0"/>
+              <a:t>Domain Driven design </a:t>
+            </a:r>
+          </a:p>
+          <a:p>
+            <a:endParaRPr lang="en-GB" dirty="0"/>
+          </a:p>
+        </p:txBody>
+      </p:sp>
+      <p:sp>
+        <p:nvSpPr>
+          <p:cNvPr id="4" name="Date Placeholder 3">
+            <a:extLst>
+              <a:ext uri="{FF2B5EF4-FFF2-40B4-BE49-F238E27FC236}">
+                <a16:creationId xmlns:a16="http://schemas.microsoft.com/office/drawing/2014/main" id="{FF3B6C77-9586-7E3A-4C57-83EC338943F3}"/>
+              </a:ext>
+            </a:extLst>
+          </p:cNvPr>
+          <p:cNvSpPr>
+            <a:spLocks noGrp="1"/>
+          </p:cNvSpPr>
+          <p:nvPr>
+            <p:ph type="dt" sz="half" idx="10"/>
+          </p:nvPr>
+        </p:nvSpPr>
+        <p:spPr/>
+        <p:txBody>
+          <a:bodyPr/>
+          <a:lstStyle/>
+          <a:p>
+            <a:pPr rtl="0"/>
+            <a:fld id="{8AC5E797-DDC7-4716-ABC9-2C172A510C23}" type="datetime3">
+              <a:rPr lang="en-GB" noProof="0" smtClean="0">
+                <a:latin typeface="+mn-lt"/>
+              </a:rPr>
+              <a:t>15 January, 2024</a:t>
+            </a:fld>
+            <a:endParaRPr lang="en-GB" noProof="0">
+              <a:latin typeface="+mn-lt"/>
+            </a:endParaRPr>
+          </a:p>
+        </p:txBody>
+      </p:sp>
+      <p:sp>
+        <p:nvSpPr>
+          <p:cNvPr id="5" name="Footer Placeholder 4">
+            <a:extLst>
+              <a:ext uri="{FF2B5EF4-FFF2-40B4-BE49-F238E27FC236}">
+                <a16:creationId xmlns:a16="http://schemas.microsoft.com/office/drawing/2014/main" id="{379BEBD6-7092-61B1-441D-BF71F43ECDAF}"/>
+              </a:ext>
+            </a:extLst>
+          </p:cNvPr>
+          <p:cNvSpPr>
+            <a:spLocks noGrp="1"/>
+          </p:cNvSpPr>
+          <p:nvPr>
+            <p:ph type="ftr" sz="quarter" idx="11"/>
+          </p:nvPr>
+        </p:nvSpPr>
+        <p:spPr/>
+        <p:txBody>
+          <a:bodyPr/>
+          <a:lstStyle/>
+          <a:p>
+            <a:pPr rtl="0"/>
+            <a:r>
+              <a:rPr lang="en-GB" noProof="0"/>
+              <a:t>Annual Review</a:t>
+            </a:r>
+            <a:endParaRPr lang="en-GB" b="0" noProof="0"/>
+          </a:p>
+        </p:txBody>
+      </p:sp>
+      <p:sp>
+        <p:nvSpPr>
+          <p:cNvPr id="6" name="Slide Number Placeholder 5">
+            <a:extLst>
+              <a:ext uri="{FF2B5EF4-FFF2-40B4-BE49-F238E27FC236}">
+                <a16:creationId xmlns:a16="http://schemas.microsoft.com/office/drawing/2014/main" id="{C24E1670-C574-90FB-4241-F9AEDA3A42EF}"/>
+              </a:ext>
+            </a:extLst>
+          </p:cNvPr>
+          <p:cNvSpPr>
+            <a:spLocks noGrp="1"/>
+          </p:cNvSpPr>
+          <p:nvPr>
+            <p:ph type="sldNum" sz="quarter" idx="12"/>
+          </p:nvPr>
+        </p:nvSpPr>
+        <p:spPr/>
+        <p:txBody>
+          <a:bodyPr/>
+          <a:lstStyle/>
+          <a:p>
+            <a:pPr rtl="0"/>
+            <a:fld id="{294A09A9-5501-47C1-A89A-A340965A2BE2}" type="slidenum">
+              <a:rPr lang="en-GB" noProof="0" smtClean="0"/>
+              <a:pPr rtl="0"/>
+              <a:t>5</a:t>
+            </a:fld>
+            <a:endParaRPr lang="en-GB" noProof="0">
+              <a:latin typeface="+mn-lt"/>
+            </a:endParaRPr>
+          </a:p>
+        </p:txBody>
+      </p:sp>
+      <p:pic>
+        <p:nvPicPr>
+          <p:cNvPr id="8" name="Picture 7">
+            <a:extLst>
+              <a:ext uri="{FF2B5EF4-FFF2-40B4-BE49-F238E27FC236}">
+                <a16:creationId xmlns:a16="http://schemas.microsoft.com/office/drawing/2014/main" id="{B00266AF-A34E-6CAE-78E9-99CDFD5C9729}"/>
+              </a:ext>
+            </a:extLst>
+          </p:cNvPr>
+          <p:cNvPicPr>
+            <a:picLocks noChangeAspect="1"/>
+          </p:cNvPicPr>
+          <p:nvPr/>
+        </p:nvPicPr>
+        <p:blipFill>
+          <a:blip r:embed="rId2"/>
+          <a:stretch>
+            <a:fillRect/>
+          </a:stretch>
+        </p:blipFill>
+        <p:spPr>
+          <a:xfrm>
+            <a:off x="5674438" y="4618381"/>
+            <a:ext cx="4610974" cy="2063541"/>
+          </a:xfrm>
+          <a:prstGeom prst="rect">
+            <a:avLst/>
+          </a:prstGeom>
+        </p:spPr>
+      </p:pic>
+      <p:pic>
+        <p:nvPicPr>
+          <p:cNvPr id="10" name="Picture 9">
+            <a:extLst>
+              <a:ext uri="{FF2B5EF4-FFF2-40B4-BE49-F238E27FC236}">
+                <a16:creationId xmlns:a16="http://schemas.microsoft.com/office/drawing/2014/main" id="{24826BA7-9076-017B-F1DF-B720FD593DD9}"/>
+              </a:ext>
+            </a:extLst>
+          </p:cNvPr>
+          <p:cNvPicPr>
+            <a:picLocks noChangeAspect="1"/>
+          </p:cNvPicPr>
+          <p:nvPr/>
+        </p:nvPicPr>
+        <p:blipFill>
+          <a:blip r:embed="rId3"/>
+          <a:stretch>
+            <a:fillRect/>
+          </a:stretch>
+        </p:blipFill>
+        <p:spPr>
+          <a:xfrm>
+            <a:off x="10285413" y="4618381"/>
+            <a:ext cx="800030" cy="471596"/>
+          </a:xfrm>
+          <a:prstGeom prst="rect">
+            <a:avLst/>
+          </a:prstGeom>
+        </p:spPr>
+      </p:pic>
+    </p:spTree>
+    <p:extLst>
+      <p:ext uri="{BB962C8B-B14F-4D97-AF65-F5344CB8AC3E}">
+        <p14:creationId xmlns:p14="http://schemas.microsoft.com/office/powerpoint/2010/main" val="3588454736"/>
+      </p:ext>
+    </p:extLst>
+  </p:cSld>
+  <p:clrMapOvr>
+    <a:masterClrMapping/>
+  </p:clrMapOvr>
+</p:sld>
+</file>
+
+<file path=ppt/slides/slide6.xml><?xml version="1.0" encoding="utf-8"?>
+<p:sld xmlns:a="http://schemas.openxmlformats.org/drawingml/2006/main" xmlns:r="http://schemas.openxmlformats.org/officeDocument/2006/relationships" xmlns:p="http://schemas.openxmlformats.org/presentationml/2006/main">
+  <p:cSld>
+    <p:spTree>
+      <p:nvGrpSpPr>
+        <p:cNvPr id="1" name=""/>
+        <p:cNvGrpSpPr/>
+        <p:nvPr/>
+      </p:nvGrpSpPr>
+      <p:grpSpPr>
+        <a:xfrm>
+          <a:off x="0" y="0"/>
+          <a:ext cx="0" cy="0"/>
+          <a:chOff x="0" y="0"/>
+          <a:chExt cx="0" cy="0"/>
+        </a:xfrm>
+      </p:grpSpPr>
+      <p:sp>
+        <p:nvSpPr>
+          <p:cNvPr id="2" name="Title 1">
+            <a:extLst>
+              <a:ext uri="{FF2B5EF4-FFF2-40B4-BE49-F238E27FC236}">
                 <a16:creationId xmlns:a16="http://schemas.microsoft.com/office/drawing/2014/main" id="{9C44C437-5780-F15A-94F4-F71B89BB79F5}"/>
               </a:ext>
             </a:extLst>
@@ -20600,7 +21574,7 @@
             <a:fld id="{294A09A9-5501-47C1-A89A-A340965A2BE2}" type="slidenum">
               <a:rPr lang="en-GB" noProof="0" smtClean="0"/>
               <a:pPr rtl="0"/>
-              <a:t>2</a:t>
+              <a:t>6</a:t>
             </a:fld>
             <a:endParaRPr lang="en-GB" noProof="0">
               <a:latin typeface="+mn-lt"/>
@@ -20837,639 +21811,7 @@
 </p:sld>
 </file>
 
-<file path=ppt/slides/slide3.xml><?xml version="1.0" encoding="utf-8"?>
-<p:sld xmlns:a="http://schemas.openxmlformats.org/drawingml/2006/main" xmlns:r="http://schemas.openxmlformats.org/officeDocument/2006/relationships" xmlns:p="http://schemas.openxmlformats.org/presentationml/2006/main">
-  <p:cSld>
-    <p:bg>
-      <p:bgPr>
-        <a:gradFill rotWithShape="1">
-          <a:gsLst>
-            <a:gs pos="0">
-              <a:schemeClr val="bg2">
-                <a:tint val="90000"/>
-                <a:satMod val="92000"/>
-                <a:lumMod val="120000"/>
-              </a:schemeClr>
-            </a:gs>
-            <a:gs pos="100000">
-              <a:schemeClr val="bg2">
-                <a:shade val="98000"/>
-                <a:satMod val="120000"/>
-                <a:lumMod val="98000"/>
-              </a:schemeClr>
-            </a:gs>
-          </a:gsLst>
-          <a:path path="circle">
-            <a:fillToRect l="50000" t="50000" r="100000" b="100000"/>
-          </a:path>
-        </a:gradFill>
-        <a:effectLst/>
-      </p:bgPr>
-    </p:bg>
-    <p:spTree>
-      <p:nvGrpSpPr>
-        <p:cNvPr id="1" name=""/>
-        <p:cNvGrpSpPr/>
-        <p:nvPr/>
-      </p:nvGrpSpPr>
-      <p:grpSpPr>
-        <a:xfrm>
-          <a:off x="0" y="0"/>
-          <a:ext cx="0" cy="0"/>
-          <a:chOff x="0" y="0"/>
-          <a:chExt cx="0" cy="0"/>
-        </a:xfrm>
-      </p:grpSpPr>
-      <p:sp useBgFill="1">
-        <p:nvSpPr>
-          <p:cNvPr id="14" name="Rectangle 13">
-            <a:extLst>
-              <a:ext uri="{FF2B5EF4-FFF2-40B4-BE49-F238E27FC236}">
-                <a16:creationId xmlns:a16="http://schemas.microsoft.com/office/drawing/2014/main" id="{B5898079-081F-4617-AC6B-4290266737B3}"/>
-              </a:ext>
-              <a:ext uri="{C183D7F6-B498-43B3-948B-1728B52AA6E4}">
-                <adec:decorative xmlns:adec="http://schemas.microsoft.com/office/drawing/2017/decorative" val="1"/>
-              </a:ext>
-            </a:extLst>
-          </p:cNvPr>
-          <p:cNvSpPr>
-            <a:spLocks noGrp="1" noRot="1" noChangeAspect="1" noMove="1" noResize="1" noEditPoints="1" noAdjustHandles="1" noChangeArrowheads="1" noChangeShapeType="1" noTextEdit="1"/>
-          </p:cNvSpPr>
-          <p:nvPr>
-            <p:extLst>
-              <p:ext uri="{386F3935-93C4-4BCD-93E2-E3B085C9AB24}">
-                <p16:designElem xmlns:p16="http://schemas.microsoft.com/office/powerpoint/2015/main" val="1"/>
-              </p:ext>
-            </p:extLst>
-          </p:nvPr>
-        </p:nvSpPr>
-        <p:spPr>
-          <a:xfrm>
-            <a:off x="0" y="-786"/>
-            <a:ext cx="12192000" cy="6854038"/>
-          </a:xfrm>
-          <a:prstGeom prst="rect">
-            <a:avLst/>
-          </a:prstGeom>
-          <a:ln>
-            <a:noFill/>
-          </a:ln>
-        </p:spPr>
-        <p:style>
-          <a:lnRef idx="2">
-            <a:schemeClr val="accent1">
-              <a:shade val="50000"/>
-            </a:schemeClr>
-          </a:lnRef>
-          <a:fillRef idx="1">
-            <a:schemeClr val="accent1"/>
-          </a:fillRef>
-          <a:effectRef idx="0">
-            <a:schemeClr val="accent1"/>
-          </a:effectRef>
-          <a:fontRef idx="minor">
-            <a:schemeClr val="lt1"/>
-          </a:fontRef>
-        </p:style>
-        <p:txBody>
-          <a:bodyPr rtlCol="0" anchor="ctr"/>
-          <a:lstStyle/>
-          <a:p>
-            <a:pPr algn="ctr"/>
-            <a:endParaRPr lang="en-US"/>
-          </a:p>
-        </p:txBody>
-      </p:sp>
-      <p:sp>
-        <p:nvSpPr>
-          <p:cNvPr id="2" name="Title 1">
-            <a:extLst>
-              <a:ext uri="{FF2B5EF4-FFF2-40B4-BE49-F238E27FC236}">
-                <a16:creationId xmlns:a16="http://schemas.microsoft.com/office/drawing/2014/main" id="{EB91D513-A5DF-4249-D265-796E34F2594A}"/>
-              </a:ext>
-            </a:extLst>
-          </p:cNvPr>
-          <p:cNvSpPr>
-            <a:spLocks noGrp="1"/>
-          </p:cNvSpPr>
-          <p:nvPr>
-            <p:ph type="title"/>
-          </p:nvPr>
-        </p:nvSpPr>
-        <p:spPr>
-          <a:xfrm>
-            <a:off x="649224" y="645106"/>
-            <a:ext cx="5122652" cy="1259894"/>
-          </a:xfrm>
-        </p:spPr>
-        <p:txBody>
-          <a:bodyPr>
-            <a:normAutofit/>
-          </a:bodyPr>
-          <a:lstStyle/>
-          <a:p>
-            <a:r>
-              <a:rPr lang="nl-NL" dirty="0"/>
-              <a:t>Wat heb ik bereikt ?</a:t>
-            </a:r>
-            <a:endParaRPr lang="en-GB" dirty="0"/>
-          </a:p>
-        </p:txBody>
-      </p:sp>
-      <p:sp>
-        <p:nvSpPr>
-          <p:cNvPr id="16" name="Rectangle 15">
-            <a:extLst>
-              <a:ext uri="{FF2B5EF4-FFF2-40B4-BE49-F238E27FC236}">
-                <a16:creationId xmlns:a16="http://schemas.microsoft.com/office/drawing/2014/main" id="{BB829EC8-5B3D-469E-942E-5E6E569E5C9B}"/>
-              </a:ext>
-              <a:ext uri="{C183D7F6-B498-43B3-948B-1728B52AA6E4}">
-                <adec:decorative xmlns:adec="http://schemas.microsoft.com/office/drawing/2017/decorative" val="1"/>
-              </a:ext>
-            </a:extLst>
-          </p:cNvPr>
-          <p:cNvSpPr>
-            <a:spLocks noGrp="1" noRot="1" noChangeAspect="1" noMove="1" noResize="1" noEditPoints="1" noAdjustHandles="1" noChangeArrowheads="1" noChangeShapeType="1" noTextEdit="1"/>
-          </p:cNvSpPr>
-          <p:nvPr>
-            <p:extLst>
-              <p:ext uri="{386F3935-93C4-4BCD-93E2-E3B085C9AB24}">
-                <p16:designElem xmlns:p16="http://schemas.microsoft.com/office/powerpoint/2015/main" val="1"/>
-              </p:ext>
-            </p:extLst>
-          </p:nvPr>
-        </p:nvSpPr>
-        <p:spPr>
-          <a:xfrm>
-            <a:off x="0" y="0"/>
-            <a:ext cx="182880" cy="6858000"/>
-          </a:xfrm>
-          <a:prstGeom prst="rect">
-            <a:avLst/>
-          </a:prstGeom>
-          <a:solidFill>
-            <a:schemeClr val="tx2"/>
-          </a:solidFill>
-          <a:ln>
-            <a:noFill/>
-          </a:ln>
-          <a:effectLst/>
-        </p:spPr>
-        <p:style>
-          <a:lnRef idx="1">
-            <a:schemeClr val="accent1"/>
-          </a:lnRef>
-          <a:fillRef idx="3">
-            <a:schemeClr val="accent1"/>
-          </a:fillRef>
-          <a:effectRef idx="2">
-            <a:schemeClr val="accent1"/>
-          </a:effectRef>
-          <a:fontRef idx="minor">
-            <a:schemeClr val="lt1"/>
-          </a:fontRef>
-        </p:style>
-        <p:txBody>
-          <a:bodyPr/>
-          <a:lstStyle/>
-          <a:p>
-            <a:endParaRPr lang="en-GB"/>
-          </a:p>
-        </p:txBody>
-      </p:sp>
-      <p:sp>
-        <p:nvSpPr>
-          <p:cNvPr id="3" name="Content Placeholder 2">
-            <a:extLst>
-              <a:ext uri="{FF2B5EF4-FFF2-40B4-BE49-F238E27FC236}">
-                <a16:creationId xmlns:a16="http://schemas.microsoft.com/office/drawing/2014/main" id="{A9F1C72D-EDA4-CD8B-3777-4852E4BF835F}"/>
-              </a:ext>
-            </a:extLst>
-          </p:cNvPr>
-          <p:cNvSpPr>
-            <a:spLocks noGrp="1"/>
-          </p:cNvSpPr>
-          <p:nvPr>
-            <p:ph idx="1"/>
-          </p:nvPr>
-        </p:nvSpPr>
-        <p:spPr>
-          <a:xfrm>
-            <a:off x="649225" y="2133600"/>
-            <a:ext cx="5122652" cy="3759253"/>
-          </a:xfrm>
-        </p:spPr>
-        <p:txBody>
-          <a:bodyPr>
-            <a:normAutofit/>
-          </a:bodyPr>
-          <a:lstStyle/>
-          <a:p>
-            <a:r>
-              <a:rPr lang="nl-NL" dirty="0"/>
-              <a:t>Connectie met alle Wear OS watches</a:t>
-            </a:r>
-          </a:p>
-          <a:p>
-            <a:r>
-              <a:rPr lang="nl-NL" dirty="0"/>
-              <a:t>Fitbit &amp; Garmin </a:t>
-            </a:r>
-          </a:p>
-          <a:p>
-            <a:r>
-              <a:rPr lang="nl-NL" dirty="0"/>
-              <a:t>Android</a:t>
-            </a:r>
-          </a:p>
-          <a:p>
-            <a:r>
-              <a:rPr lang="nl-NL" dirty="0"/>
-              <a:t>Move4vitality onafhankelijk van activiteitentracker.</a:t>
-            </a:r>
-          </a:p>
-        </p:txBody>
-      </p:sp>
-      <p:pic>
-        <p:nvPicPr>
-          <p:cNvPr id="9" name="Picture 2" descr="Strategische Partners - MAO/B ICT Consultants | T 06 - 52 01 08 44 | Heerlen">
-            <a:extLst>
-              <a:ext uri="{FF2B5EF4-FFF2-40B4-BE49-F238E27FC236}">
-                <a16:creationId xmlns:a16="http://schemas.microsoft.com/office/drawing/2014/main" id="{E9F6DE40-B904-DB56-9251-3AA432BB2750}"/>
-              </a:ext>
-            </a:extLst>
-          </p:cNvPr>
-          <p:cNvPicPr>
-            <a:picLocks noChangeAspect="1" noChangeArrowheads="1"/>
-          </p:cNvPicPr>
-          <p:nvPr/>
-        </p:nvPicPr>
-        <p:blipFill>
-          <a:blip r:embed="rId2">
-            <a:extLst>
-              <a:ext uri="{28A0092B-C50C-407E-A947-70E740481C1C}">
-                <a14:useLocalDpi xmlns:a14="http://schemas.microsoft.com/office/drawing/2010/main" val="0"/>
-              </a:ext>
-            </a:extLst>
-          </a:blip>
-          <a:stretch>
-            <a:fillRect/>
-          </a:stretch>
-        </p:blipFill>
-        <p:spPr bwMode="auto">
-          <a:xfrm>
-            <a:off x="6091916" y="1746520"/>
-            <a:ext cx="3297221" cy="1431052"/>
-          </a:xfrm>
-          <a:prstGeom prst="roundRect">
-            <a:avLst>
-              <a:gd name="adj" fmla="val 16667"/>
-            </a:avLst>
-          </a:prstGeom>
-          <a:ln>
-            <a:noFill/>
-          </a:ln>
-          <a:effectLst>
-            <a:outerShdw blurRad="152400" dist="12000" dir="900000" sy="98000" kx="110000" ky="200000" algn="tl" rotWithShape="0">
-              <a:srgbClr val="000000">
-                <a:alpha val="30000"/>
-              </a:srgbClr>
-            </a:outerShdw>
-          </a:effectLst>
-          <a:scene3d>
-            <a:camera prst="perspectiveRelaxed">
-              <a:rot lat="19800000" lon="1200000" rev="20820000"/>
-            </a:camera>
-            <a:lightRig rig="threePt" dir="t"/>
-          </a:scene3d>
-          <a:sp3d contourW="6350" prstMaterial="matte">
-            <a:bevelT w="101600" h="101600"/>
-            <a:contourClr>
-              <a:srgbClr val="969696"/>
-            </a:contourClr>
-          </a:sp3d>
-        </p:spPr>
-      </p:pic>
-      <p:pic>
-        <p:nvPicPr>
-          <p:cNvPr id="8" name="Picture 7" descr="A green and white chart with black text&#10;&#10;Description automatically generated">
-            <a:extLst>
-              <a:ext uri="{FF2B5EF4-FFF2-40B4-BE49-F238E27FC236}">
-                <a16:creationId xmlns:a16="http://schemas.microsoft.com/office/drawing/2014/main" id="{AA643A13-CC6B-F6C7-40A8-2EF5E1990BA6}"/>
-              </a:ext>
-            </a:extLst>
-          </p:cNvPr>
-          <p:cNvPicPr>
-            <a:picLocks noChangeAspect="1"/>
-          </p:cNvPicPr>
-          <p:nvPr/>
-        </p:nvPicPr>
-        <p:blipFill rotWithShape="1">
-          <a:blip r:embed="rId3">
-            <a:extLst>
-              <a:ext uri="{28A0092B-C50C-407E-A947-70E740481C1C}">
-                <a14:useLocalDpi xmlns:a14="http://schemas.microsoft.com/office/drawing/2010/main" val="0"/>
-              </a:ext>
-            </a:extLst>
-          </a:blip>
-          <a:srcRect/>
-          <a:stretch/>
-        </p:blipFill>
-        <p:spPr>
-          <a:xfrm>
-            <a:off x="6086040" y="3985165"/>
-            <a:ext cx="5451627" cy="1431052"/>
-          </a:xfrm>
-          <a:prstGeom prst="rect">
-            <a:avLst/>
-          </a:prstGeom>
-        </p:spPr>
-      </p:pic>
-      <p:sp>
-        <p:nvSpPr>
-          <p:cNvPr id="18" name="Freeform 12">
-            <a:extLst>
-              <a:ext uri="{FF2B5EF4-FFF2-40B4-BE49-F238E27FC236}">
-                <a16:creationId xmlns:a16="http://schemas.microsoft.com/office/drawing/2014/main" id="{55D72A3F-A083-4502-838A-2C32C980026F}"/>
-              </a:ext>
-              <a:ext uri="{C183D7F6-B498-43B3-948B-1728B52AA6E4}">
-                <adec:decorative xmlns:adec="http://schemas.microsoft.com/office/drawing/2017/decorative" val="1"/>
-              </a:ext>
-            </a:extLst>
-          </p:cNvPr>
-          <p:cNvSpPr>
-            <a:spLocks noGrp="1" noRot="1" noChangeAspect="1" noMove="1" noResize="1" noEditPoints="1" noAdjustHandles="1" noChangeArrowheads="1" noChangeShapeType="1" noTextEdit="1"/>
-          </p:cNvSpPr>
-          <p:nvPr>
-            <p:extLst>
-              <p:ext uri="{386F3935-93C4-4BCD-93E2-E3B085C9AB24}">
-                <p16:designElem xmlns:p16="http://schemas.microsoft.com/office/powerpoint/2015/main" val="1"/>
-              </p:ext>
-            </p:extLst>
-          </p:nvPr>
-        </p:nvSpPr>
-        <p:spPr>
-          <a:xfrm>
-            <a:off x="-1" y="6061223"/>
-            <a:ext cx="1038036" cy="506277"/>
-          </a:xfrm>
-          <a:custGeom>
-            <a:avLst/>
-            <a:gdLst>
-              <a:gd name="connsiteX0" fmla="*/ 0 w 1038036"/>
-              <a:gd name="connsiteY0" fmla="*/ 0 h 506277"/>
-              <a:gd name="connsiteX1" fmla="*/ 182880 w 1038036"/>
-              <a:gd name="connsiteY1" fmla="*/ 0 h 506277"/>
-              <a:gd name="connsiteX2" fmla="*/ 291705 w 1038036"/>
-              <a:gd name="connsiteY2" fmla="*/ 0 h 506277"/>
-              <a:gd name="connsiteX3" fmla="*/ 291705 w 1038036"/>
-              <a:gd name="connsiteY3" fmla="*/ 151 h 506277"/>
-              <a:gd name="connsiteX4" fmla="*/ 692049 w 1038036"/>
-              <a:gd name="connsiteY4" fmla="*/ 705 h 506277"/>
-              <a:gd name="connsiteX5" fmla="*/ 782744 w 1038036"/>
-              <a:gd name="connsiteY5" fmla="*/ 705 h 506277"/>
-              <a:gd name="connsiteX6" fmla="*/ 797001 w 1038036"/>
-              <a:gd name="connsiteY6" fmla="*/ 5473 h 506277"/>
-              <a:gd name="connsiteX7" fmla="*/ 801982 w 1038036"/>
-              <a:gd name="connsiteY7" fmla="*/ 10242 h 506277"/>
-              <a:gd name="connsiteX8" fmla="*/ 1030951 w 1038036"/>
-              <a:gd name="connsiteY8" fmla="*/ 239185 h 506277"/>
-              <a:gd name="connsiteX9" fmla="*/ 1030951 w 1038036"/>
-              <a:gd name="connsiteY9" fmla="*/ 267797 h 506277"/>
-              <a:gd name="connsiteX10" fmla="*/ 801982 w 1038036"/>
-              <a:gd name="connsiteY10" fmla="*/ 496740 h 506277"/>
-              <a:gd name="connsiteX11" fmla="*/ 797001 w 1038036"/>
-              <a:gd name="connsiteY11" fmla="*/ 501508 h 506277"/>
-              <a:gd name="connsiteX12" fmla="*/ 782744 w 1038036"/>
-              <a:gd name="connsiteY12" fmla="*/ 506277 h 506277"/>
-              <a:gd name="connsiteX13" fmla="*/ 692049 w 1038036"/>
-              <a:gd name="connsiteY13" fmla="*/ 506277 h 506277"/>
-              <a:gd name="connsiteX14" fmla="*/ 291705 w 1038036"/>
-              <a:gd name="connsiteY14" fmla="*/ 505140 h 506277"/>
-              <a:gd name="connsiteX15" fmla="*/ 291705 w 1038036"/>
-              <a:gd name="connsiteY15" fmla="*/ 506277 h 506277"/>
-              <a:gd name="connsiteX16" fmla="*/ 0 w 1038036"/>
-              <a:gd name="connsiteY16" fmla="*/ 506277 h 506277"/>
-            </a:gdLst>
-            <a:ahLst/>
-            <a:cxnLst>
-              <a:cxn ang="0">
-                <a:pos x="connsiteX0" y="connsiteY0"/>
-              </a:cxn>
-              <a:cxn ang="0">
-                <a:pos x="connsiteX1" y="connsiteY1"/>
-              </a:cxn>
-              <a:cxn ang="0">
-                <a:pos x="connsiteX2" y="connsiteY2"/>
-              </a:cxn>
-              <a:cxn ang="0">
-                <a:pos x="connsiteX3" y="connsiteY3"/>
-              </a:cxn>
-              <a:cxn ang="0">
-                <a:pos x="connsiteX4" y="connsiteY4"/>
-              </a:cxn>
-              <a:cxn ang="0">
-                <a:pos x="connsiteX5" y="connsiteY5"/>
-              </a:cxn>
-              <a:cxn ang="0">
-                <a:pos x="connsiteX6" y="connsiteY6"/>
-              </a:cxn>
-              <a:cxn ang="0">
-                <a:pos x="connsiteX7" y="connsiteY7"/>
-              </a:cxn>
-              <a:cxn ang="0">
-                <a:pos x="connsiteX8" y="connsiteY8"/>
-              </a:cxn>
-              <a:cxn ang="0">
-                <a:pos x="connsiteX9" y="connsiteY9"/>
-              </a:cxn>
-              <a:cxn ang="0">
-                <a:pos x="connsiteX10" y="connsiteY10"/>
-              </a:cxn>
-              <a:cxn ang="0">
-                <a:pos x="connsiteX11" y="connsiteY11"/>
-              </a:cxn>
-              <a:cxn ang="0">
-                <a:pos x="connsiteX12" y="connsiteY12"/>
-              </a:cxn>
-              <a:cxn ang="0">
-                <a:pos x="connsiteX13" y="connsiteY13"/>
-              </a:cxn>
-              <a:cxn ang="0">
-                <a:pos x="connsiteX14" y="connsiteY14"/>
-              </a:cxn>
-              <a:cxn ang="0">
-                <a:pos x="connsiteX15" y="connsiteY15"/>
-              </a:cxn>
-              <a:cxn ang="0">
-                <a:pos x="connsiteX16" y="connsiteY16"/>
-              </a:cxn>
-            </a:cxnLst>
-            <a:rect l="l" t="t" r="r" b="b"/>
-            <a:pathLst>
-              <a:path w="1038036" h="506277">
-                <a:moveTo>
-                  <a:pt x="0" y="0"/>
-                </a:moveTo>
-                <a:lnTo>
-                  <a:pt x="182880" y="0"/>
-                </a:lnTo>
-                <a:lnTo>
-                  <a:pt x="291705" y="0"/>
-                </a:lnTo>
-                <a:lnTo>
-                  <a:pt x="291705" y="151"/>
-                </a:lnTo>
-                <a:lnTo>
-                  <a:pt x="692049" y="705"/>
-                </a:lnTo>
-                <a:lnTo>
-                  <a:pt x="782744" y="705"/>
-                </a:lnTo>
-                <a:cubicBezTo>
-                  <a:pt x="787553" y="705"/>
-                  <a:pt x="792363" y="5473"/>
-                  <a:pt x="797001" y="5473"/>
-                </a:cubicBezTo>
-                <a:cubicBezTo>
-                  <a:pt x="797001" y="10242"/>
-                  <a:pt x="801982" y="10242"/>
-                  <a:pt x="801982" y="10242"/>
-                </a:cubicBezTo>
-                <a:lnTo>
-                  <a:pt x="1030951" y="239185"/>
-                </a:lnTo>
-                <a:cubicBezTo>
-                  <a:pt x="1040398" y="248722"/>
-                  <a:pt x="1040398" y="258259"/>
-                  <a:pt x="1030951" y="267797"/>
-                </a:cubicBezTo>
-                <a:lnTo>
-                  <a:pt x="801982" y="496740"/>
-                </a:lnTo>
-                <a:cubicBezTo>
-                  <a:pt x="800436" y="498363"/>
-                  <a:pt x="798547" y="499885"/>
-                  <a:pt x="797001" y="501508"/>
-                </a:cubicBezTo>
-                <a:cubicBezTo>
-                  <a:pt x="792363" y="506277"/>
-                  <a:pt x="787553" y="506277"/>
-                  <a:pt x="782744" y="506277"/>
-                </a:cubicBezTo>
-                <a:lnTo>
-                  <a:pt x="692049" y="506277"/>
-                </a:lnTo>
-                <a:lnTo>
-                  <a:pt x="291705" y="505140"/>
-                </a:lnTo>
-                <a:lnTo>
-                  <a:pt x="291705" y="506277"/>
-                </a:lnTo>
-                <a:lnTo>
-                  <a:pt x="0" y="506277"/>
-                </a:lnTo>
-                <a:close/>
-              </a:path>
-            </a:pathLst>
-          </a:custGeom>
-          <a:ln>
-            <a:noFill/>
-          </a:ln>
-        </p:spPr>
-        <p:style>
-          <a:lnRef idx="2">
-            <a:schemeClr val="accent1">
-              <a:shade val="50000"/>
-            </a:schemeClr>
-          </a:lnRef>
-          <a:fillRef idx="1">
-            <a:schemeClr val="accent1"/>
-          </a:fillRef>
-          <a:effectRef idx="0">
-            <a:schemeClr val="accent1"/>
-          </a:effectRef>
-          <a:fontRef idx="minor">
-            <a:schemeClr val="lt1"/>
-          </a:fontRef>
-        </p:style>
-        <p:txBody>
-          <a:bodyPr rtlCol="0" anchor="ctr"/>
-          <a:lstStyle/>
-          <a:p>
-            <a:pPr algn="ctr"/>
-            <a:endParaRPr lang="en-US"/>
-          </a:p>
-        </p:txBody>
-      </p:sp>
-      <p:sp>
-        <p:nvSpPr>
-          <p:cNvPr id="6" name="Slide Number Placeholder 5">
-            <a:extLst>
-              <a:ext uri="{FF2B5EF4-FFF2-40B4-BE49-F238E27FC236}">
-                <a16:creationId xmlns:a16="http://schemas.microsoft.com/office/drawing/2014/main" id="{F1FC3022-16AD-B94B-9675-8E53BEAC0FA1}"/>
-              </a:ext>
-            </a:extLst>
-          </p:cNvPr>
-          <p:cNvSpPr>
-            <a:spLocks noGrp="1"/>
-          </p:cNvSpPr>
-          <p:nvPr>
-            <p:ph type="sldNum" sz="quarter" idx="12"/>
-          </p:nvPr>
-        </p:nvSpPr>
-        <p:spPr>
-          <a:xfrm>
-            <a:off x="121514" y="6133610"/>
-            <a:ext cx="779767" cy="365125"/>
-          </a:xfrm>
-        </p:spPr>
-        <p:txBody>
-          <a:bodyPr>
-            <a:normAutofit/>
-          </a:bodyPr>
-          <a:lstStyle/>
-          <a:p>
-            <a:pPr rtl="0">
-              <a:lnSpc>
-                <a:spcPct val="90000"/>
-              </a:lnSpc>
-              <a:spcAft>
-                <a:spcPts val="600"/>
-              </a:spcAft>
-            </a:pPr>
-            <a:fld id="{294A09A9-5501-47C1-A89A-A340965A2BE2}" type="slidenum">
-              <a:rPr lang="en-GB" sz="1900" noProof="0" smtClean="0"/>
-              <a:pPr rtl="0">
-                <a:lnSpc>
-                  <a:spcPct val="90000"/>
-                </a:lnSpc>
-                <a:spcAft>
-                  <a:spcPts val="600"/>
-                </a:spcAft>
-              </a:pPr>
-              <a:t>3</a:t>
-            </a:fld>
-            <a:endParaRPr lang="en-GB" sz="1900" noProof="0">
-              <a:latin typeface="+mn-lt"/>
-            </a:endParaRPr>
-          </a:p>
-        </p:txBody>
-      </p:sp>
-    </p:spTree>
-    <p:extLst>
-      <p:ext uri="{BB962C8B-B14F-4D97-AF65-F5344CB8AC3E}">
-        <p14:creationId xmlns:p14="http://schemas.microsoft.com/office/powerpoint/2010/main" val="2765758236"/>
-      </p:ext>
-    </p:extLst>
-  </p:cSld>
-  <p:clrMapOvr>
-    <a:masterClrMapping/>
-  </p:clrMapOvr>
-</p:sld>
-</file>
-
-<file path=ppt/slides/slide4.xml><?xml version="1.0" encoding="utf-8"?>
+<file path=ppt/slides/slide7.xml><?xml version="1.0" encoding="utf-8"?>
 <p:sld xmlns:a="http://schemas.openxmlformats.org/drawingml/2006/main" xmlns:r="http://schemas.openxmlformats.org/officeDocument/2006/relationships" xmlns:p="http://schemas.openxmlformats.org/presentationml/2006/main">
   <p:cSld>
     <p:spTree>
@@ -21614,7 +21956,7 @@
             <a:fld id="{294A09A9-5501-47C1-A89A-A340965A2BE2}" type="slidenum">
               <a:rPr lang="en-GB" noProof="0" smtClean="0"/>
               <a:pPr rtl="0"/>
-              <a:t>4</a:t>
+              <a:t>7</a:t>
             </a:fld>
             <a:endParaRPr lang="en-GB" noProof="0">
               <a:latin typeface="+mn-lt"/>
@@ -22526,6 +22868,15 @@
 </file>
 
 <file path=customXml/item2.xml><?xml version="1.0" encoding="utf-8"?>
+<p:properties xmlns:p="http://schemas.microsoft.com/office/2006/metadata/properties" xmlns:xsi="http://www.w3.org/2001/XMLSchema-instance" xmlns:pc="http://schemas.microsoft.com/office/infopath/2007/PartnerControls">
+  <documentManagement>
+    <Status xmlns="71af3243-3dd4-4a8d-8c0d-dd76da1f02a5">Not started</Status>
+    <MediaServiceKeyPoints xmlns="71af3243-3dd4-4a8d-8c0d-dd76da1f02a5" xsi:nil="true"/>
+  </documentManagement>
+</p:properties>
+</file>
+
+<file path=customXml/item3.xml><?xml version="1.0" encoding="utf-8"?>
 <ct:contentTypeSchema xmlns:ct="http://schemas.microsoft.com/office/2006/metadata/contentType" xmlns:ma="http://schemas.microsoft.com/office/2006/metadata/properties/metaAttributes" ct:_="" ma:_="" ma:contentTypeName="Document" ma:contentTypeID="0x01010079F111ED35F8CC479449609E8A0923A6" ma:contentTypeVersion="12" ma:contentTypeDescription="Create a new document." ma:contentTypeScope="" ma:versionID="426e97fa315356fffbdcd9876fe988c2">
   <xsd:schema xmlns:xsd="http://www.w3.org/2001/XMLSchema" xmlns:xs="http://www.w3.org/2001/XMLSchema" xmlns:p="http://schemas.microsoft.com/office/2006/metadata/properties" xmlns:ns2="71af3243-3dd4-4a8d-8c0d-dd76da1f02a5" xmlns:ns3="16c05727-aa75-4e4a-9b5f-8a80a1165891" targetNamespace="http://schemas.microsoft.com/office/2006/metadata/properties" ma:root="true" ma:fieldsID="14b8f0def80e6d70ce3def20c90759ae" ns2:_="" ns3:_="">
     <xsd:import namespace="71af3243-3dd4-4a8d-8c0d-dd76da1f02a5"/>
@@ -22746,15 +23097,6 @@
 </ct:contentTypeSchema>
 </file>
 
-<file path=customXml/item3.xml><?xml version="1.0" encoding="utf-8"?>
-<p:properties xmlns:p="http://schemas.microsoft.com/office/2006/metadata/properties" xmlns:xsi="http://www.w3.org/2001/XMLSchema-instance" xmlns:pc="http://schemas.microsoft.com/office/infopath/2007/PartnerControls">
-  <documentManagement>
-    <Status xmlns="71af3243-3dd4-4a8d-8c0d-dd76da1f02a5">Not started</Status>
-    <MediaServiceKeyPoints xmlns="71af3243-3dd4-4a8d-8c0d-dd76da1f02a5" xsi:nil="true"/>
-  </documentManagement>
-</p:properties>
-</file>
-
 <file path=customXml/itemProps1.xml><?xml version="1.0" encoding="utf-8"?>
 <ds:datastoreItem xmlns:ds="http://schemas.openxmlformats.org/officeDocument/2006/customXml" ds:itemID="{1D20B6E4-879E-4E6C-BDE7-261540CD3765}">
   <ds:schemaRefs>
@@ -22764,6 +23106,16 @@
 </file>
 
 <file path=customXml/itemProps2.xml><?xml version="1.0" encoding="utf-8"?>
+<ds:datastoreItem xmlns:ds="http://schemas.openxmlformats.org/officeDocument/2006/customXml" ds:itemID="{09EC1AB0-9704-404D-B6D3-819D938AC55B}">
+  <ds:schemaRefs>
+    <ds:schemaRef ds:uri="http://schemas.microsoft.com/office/2006/metadata/properties"/>
+    <ds:schemaRef ds:uri="http://schemas.microsoft.com/office/infopath/2007/PartnerControls"/>
+    <ds:schemaRef ds:uri="71af3243-3dd4-4a8d-8c0d-dd76da1f02a5"/>
+  </ds:schemaRefs>
+</ds:datastoreItem>
+</file>
+
+<file path=customXml/itemProps3.xml><?xml version="1.0" encoding="utf-8"?>
 <ds:datastoreItem xmlns:ds="http://schemas.openxmlformats.org/officeDocument/2006/customXml" ds:itemID="{94F21D10-BD83-491A-AAA6-945C2DB1EB01}">
   <ds:schemaRefs>
     <ds:schemaRef ds:uri="http://schemas.microsoft.com/office/2006/metadata/contentType"/>
@@ -22780,14 +23132,4 @@
     <ds:schemaRef ds:uri="http://schemas.microsoft.com/internal/obd"/>
   </ds:schemaRefs>
 </ds:datastoreItem>
-</file>
-
-<file path=customXml/itemProps3.xml><?xml version="1.0" encoding="utf-8"?>
-<ds:datastoreItem xmlns:ds="http://schemas.openxmlformats.org/officeDocument/2006/customXml" ds:itemID="{09EC1AB0-9704-404D-B6D3-819D938AC55B}">
-  <ds:schemaRefs>
-    <ds:schemaRef ds:uri="http://schemas.microsoft.com/office/2006/metadata/properties"/>
-    <ds:schemaRef ds:uri="http://schemas.microsoft.com/office/infopath/2007/PartnerControls"/>
-    <ds:schemaRef ds:uri="71af3243-3dd4-4a8d-8c0d-dd76da1f02a5"/>
-  </ds:schemaRefs>
-</ds:datastoreItem>
 </file>